--- a/Projet final.pptx
+++ b/Projet final.pptx
@@ -7771,7 +7771,7 @@
           <p:cNvPr id="2" name="Titre 1">
             <a:extLst>
               <a:ext uri="{FF2B5EF4-FFF2-40B4-BE49-F238E27FC236}">
-                <a16:creationId xmlns="" xmlns:a16="http://schemas.microsoft.com/office/drawing/2014/main" id="{35F66955-3072-4076-AAE0-910469EE0894}"/>
+                <a16:creationId xmlns:a16="http://schemas.microsoft.com/office/drawing/2014/main" xmlns="" id="{35F66955-3072-4076-AAE0-910469EE0894}"/>
               </a:ext>
             </a:extLst>
           </p:cNvPr>
@@ -7796,11 +7796,7 @@
             </a:br>
             <a:r>
               <a:rPr lang="fr-FR" dirty="0"/>
-              <a:t>Usine </a:t>
-            </a:r>
-            <a:r>
-              <a:rPr lang="fr-FR"/>
-              <a:t>à talents</a:t>
+              <a:t>Usine à talents</a:t>
             </a:r>
           </a:p>
         </p:txBody>
@@ -7810,7 +7806,7 @@
           <p:cNvPr id="3" name="Sous-titre 2">
             <a:extLst>
               <a:ext uri="{FF2B5EF4-FFF2-40B4-BE49-F238E27FC236}">
-                <a16:creationId xmlns="" xmlns:a16="http://schemas.microsoft.com/office/drawing/2014/main" id="{82D42387-76EF-454D-990C-0AD76E9A3BAC}"/>
+                <a16:creationId xmlns:a16="http://schemas.microsoft.com/office/drawing/2014/main" xmlns="" id="{82D42387-76EF-454D-990C-0AD76E9A3BAC}"/>
               </a:ext>
             </a:extLst>
           </p:cNvPr>
@@ -7843,7 +7839,7 @@
           <p:cNvPr id="5" name="Sous-titre 2">
             <a:extLst>
               <a:ext uri="{FF2B5EF4-FFF2-40B4-BE49-F238E27FC236}">
-                <a16:creationId xmlns="" xmlns:a16="http://schemas.microsoft.com/office/drawing/2014/main" id="{57C0654A-59AA-4B68-9D5A-6C415E8EC91D}"/>
+                <a16:creationId xmlns:a16="http://schemas.microsoft.com/office/drawing/2014/main" xmlns="" id="{57C0654A-59AA-4B68-9D5A-6C415E8EC91D}"/>
               </a:ext>
             </a:extLst>
           </p:cNvPr>
@@ -8119,7 +8115,7 @@
           <p:cNvPr id="2" name="Titre 1">
             <a:extLst>
               <a:ext uri="{FF2B5EF4-FFF2-40B4-BE49-F238E27FC236}">
-                <a16:creationId xmlns="" xmlns:a16="http://schemas.microsoft.com/office/drawing/2014/main" id="{380C8E54-3508-43B3-9676-2A3B332EE20C}"/>
+                <a16:creationId xmlns:a16="http://schemas.microsoft.com/office/drawing/2014/main" xmlns="" id="{380C8E54-3508-43B3-9676-2A3B332EE20C}"/>
               </a:ext>
             </a:extLst>
           </p:cNvPr>
@@ -8155,7 +8151,7 @@
           <p:cNvPr id="3" name="Espace réservé du contenu 2">
             <a:extLst>
               <a:ext uri="{FF2B5EF4-FFF2-40B4-BE49-F238E27FC236}">
-                <a16:creationId xmlns="" xmlns:a16="http://schemas.microsoft.com/office/drawing/2014/main" id="{448F44E6-9AA5-4A56-AE99-E68B9F62D0BC}"/>
+                <a16:creationId xmlns:a16="http://schemas.microsoft.com/office/drawing/2014/main" xmlns="" id="{448F44E6-9AA5-4A56-AE99-E68B9F62D0BC}"/>
               </a:ext>
             </a:extLst>
           </p:cNvPr>
@@ -8231,11 +8227,7 @@
             </a:r>
             <a:r>
               <a:rPr lang="fr-FR" dirty="0" smtClean="0"/>
-              <a:t> </a:t>
-            </a:r>
-            <a:r>
-              <a:rPr lang="fr-FR" dirty="0" smtClean="0"/>
-              <a:t>Boot</a:t>
+              <a:t> Boot</a:t>
             </a:r>
           </a:p>
           <a:p>
@@ -8248,7 +8240,6 @@
               <a:rPr lang="fr-FR" dirty="0" smtClean="0"/>
               <a:t> 4+</a:t>
             </a:r>
-            <a:endParaRPr lang="fr-FR" dirty="0" smtClean="0"/>
           </a:p>
           <a:p>
             <a:endParaRPr lang="fr-FR" dirty="0" smtClean="0"/>
@@ -8290,7 +8281,7 @@
           <p:cNvPr id="2" name="Titre 1">
             <a:extLst>
               <a:ext uri="{FF2B5EF4-FFF2-40B4-BE49-F238E27FC236}">
-                <a16:creationId xmlns="" xmlns:a16="http://schemas.microsoft.com/office/drawing/2014/main" id="{380C8E54-3508-43B3-9676-2A3B332EE20C}"/>
+                <a16:creationId xmlns:a16="http://schemas.microsoft.com/office/drawing/2014/main" xmlns="" id="{380C8E54-3508-43B3-9676-2A3B332EE20C}"/>
               </a:ext>
             </a:extLst>
           </p:cNvPr>
@@ -8326,7 +8317,7 @@
           <p:cNvPr id="3" name="Espace réservé du contenu 2">
             <a:extLst>
               <a:ext uri="{FF2B5EF4-FFF2-40B4-BE49-F238E27FC236}">
-                <a16:creationId xmlns="" xmlns:a16="http://schemas.microsoft.com/office/drawing/2014/main" id="{448F44E6-9AA5-4A56-AE99-E68B9F62D0BC}"/>
+                <a16:creationId xmlns:a16="http://schemas.microsoft.com/office/drawing/2014/main" xmlns="" id="{448F44E6-9AA5-4A56-AE99-E68B9F62D0BC}"/>
               </a:ext>
             </a:extLst>
           </p:cNvPr>
@@ -8409,7 +8400,7 @@
           <p:cNvPr id="2" name="Titre 1">
             <a:extLst>
               <a:ext uri="{FF2B5EF4-FFF2-40B4-BE49-F238E27FC236}">
-                <a16:creationId xmlns="" xmlns:a16="http://schemas.microsoft.com/office/drawing/2014/main" id="{380C8E54-3508-43B3-9676-2A3B332EE20C}"/>
+                <a16:creationId xmlns:a16="http://schemas.microsoft.com/office/drawing/2014/main" xmlns="" id="{380C8E54-3508-43B3-9676-2A3B332EE20C}"/>
               </a:ext>
             </a:extLst>
           </p:cNvPr>
@@ -8441,7 +8432,7 @@
           <p:cNvPr id="3" name="Espace réservé du contenu 2">
             <a:extLst>
               <a:ext uri="{FF2B5EF4-FFF2-40B4-BE49-F238E27FC236}">
-                <a16:creationId xmlns="" xmlns:a16="http://schemas.microsoft.com/office/drawing/2014/main" id="{448F44E6-9AA5-4A56-AE99-E68B9F62D0BC}"/>
+                <a16:creationId xmlns:a16="http://schemas.microsoft.com/office/drawing/2014/main" xmlns="" id="{448F44E6-9AA5-4A56-AE99-E68B9F62D0BC}"/>
               </a:ext>
             </a:extLst>
           </p:cNvPr>
@@ -8496,7 +8487,7 @@
           <p:cNvPr id="2" name="Titre 1">
             <a:extLst>
               <a:ext uri="{FF2B5EF4-FFF2-40B4-BE49-F238E27FC236}">
-                <a16:creationId xmlns="" xmlns:a16="http://schemas.microsoft.com/office/drawing/2014/main" id="{380C8E54-3508-43B3-9676-2A3B332EE20C}"/>
+                <a16:creationId xmlns:a16="http://schemas.microsoft.com/office/drawing/2014/main" xmlns="" id="{380C8E54-3508-43B3-9676-2A3B332EE20C}"/>
               </a:ext>
             </a:extLst>
           </p:cNvPr>
@@ -8540,7 +8531,7 @@
           <p:cNvPr id="3" name="Espace réservé du contenu 2">
             <a:extLst>
               <a:ext uri="{FF2B5EF4-FFF2-40B4-BE49-F238E27FC236}">
-                <a16:creationId xmlns="" xmlns:a16="http://schemas.microsoft.com/office/drawing/2014/main" id="{448F44E6-9AA5-4A56-AE99-E68B9F62D0BC}"/>
+                <a16:creationId xmlns:a16="http://schemas.microsoft.com/office/drawing/2014/main" xmlns="" id="{448F44E6-9AA5-4A56-AE99-E68B9F62D0BC}"/>
               </a:ext>
             </a:extLst>
           </p:cNvPr>
@@ -8703,7 +8694,7 @@
           <p:cNvPr id="2" name="Titre 1">
             <a:extLst>
               <a:ext uri="{FF2B5EF4-FFF2-40B4-BE49-F238E27FC236}">
-                <a16:creationId xmlns="" xmlns:a16="http://schemas.microsoft.com/office/drawing/2014/main" id="{192AF73E-CA44-41CF-803B-BBD400D3200A}"/>
+                <a16:creationId xmlns:a16="http://schemas.microsoft.com/office/drawing/2014/main" xmlns="" id="{192AF73E-CA44-41CF-803B-BBD400D3200A}"/>
               </a:ext>
             </a:extLst>
           </p:cNvPr>
@@ -8731,7 +8722,7 @@
           <p:cNvPr id="3" name="Espace réservé du contenu 2">
             <a:extLst>
               <a:ext uri="{FF2B5EF4-FFF2-40B4-BE49-F238E27FC236}">
-                <a16:creationId xmlns="" xmlns:a16="http://schemas.microsoft.com/office/drawing/2014/main" id="{3A9AB758-24D0-44E2-8E5A-EF1802A0837C}"/>
+                <a16:creationId xmlns:a16="http://schemas.microsoft.com/office/drawing/2014/main" xmlns="" id="{3A9AB758-24D0-44E2-8E5A-EF1802A0837C}"/>
               </a:ext>
             </a:extLst>
           </p:cNvPr>
@@ -8840,7 +8831,7 @@
           <p:cNvPr id="2" name="Titre 1">
             <a:extLst>
               <a:ext uri="{FF2B5EF4-FFF2-40B4-BE49-F238E27FC236}">
-                <a16:creationId xmlns="" xmlns:a16="http://schemas.microsoft.com/office/drawing/2014/main" id="{16B3709F-FBDE-42AA-9C23-C813B88702E1}"/>
+                <a16:creationId xmlns:a16="http://schemas.microsoft.com/office/drawing/2014/main" xmlns="" id="{16B3709F-FBDE-42AA-9C23-C813B88702E1}"/>
               </a:ext>
             </a:extLst>
           </p:cNvPr>
@@ -8868,7 +8859,7 @@
           <p:cNvPr id="3" name="Espace réservé du contenu 2">
             <a:extLst>
               <a:ext uri="{FF2B5EF4-FFF2-40B4-BE49-F238E27FC236}">
-                <a16:creationId xmlns="" xmlns:a16="http://schemas.microsoft.com/office/drawing/2014/main" id="{5E3D3DF2-C56C-4868-9CFC-9B16C8A13459}"/>
+                <a16:creationId xmlns:a16="http://schemas.microsoft.com/office/drawing/2014/main" xmlns="" id="{5E3D3DF2-C56C-4868-9CFC-9B16C8A13459}"/>
               </a:ext>
             </a:extLst>
           </p:cNvPr>
@@ -8958,7 +8949,7 @@
           <p:cNvPr id="3" name="Espace réservé du contenu 2">
             <a:extLst>
               <a:ext uri="{FF2B5EF4-FFF2-40B4-BE49-F238E27FC236}">
-                <a16:creationId xmlns="" xmlns:a16="http://schemas.microsoft.com/office/drawing/2014/main" id="{C45A8DFE-CF96-48A5-9D7E-073BBC62CCF9}"/>
+                <a16:creationId xmlns:a16="http://schemas.microsoft.com/office/drawing/2014/main" xmlns="" id="{C45A8DFE-CF96-48A5-9D7E-073BBC62CCF9}"/>
               </a:ext>
             </a:extLst>
           </p:cNvPr>
@@ -9026,7 +9017,7 @@
           <p:cNvPr id="2" name="Titre 1">
             <a:extLst>
               <a:ext uri="{FF2B5EF4-FFF2-40B4-BE49-F238E27FC236}">
-                <a16:creationId xmlns="" xmlns:a16="http://schemas.microsoft.com/office/drawing/2014/main" id="{9515E319-373C-475B-AE13-3745F8E6879A}"/>
+                <a16:creationId xmlns:a16="http://schemas.microsoft.com/office/drawing/2014/main" xmlns="" id="{9515E319-373C-475B-AE13-3745F8E6879A}"/>
               </a:ext>
             </a:extLst>
           </p:cNvPr>
@@ -9054,7 +9045,7 @@
           <p:cNvPr id="3" name="Espace réservé du contenu 2">
             <a:extLst>
               <a:ext uri="{FF2B5EF4-FFF2-40B4-BE49-F238E27FC236}">
-                <a16:creationId xmlns="" xmlns:a16="http://schemas.microsoft.com/office/drawing/2014/main" id="{F28A2537-7C03-421F-B15A-C5EDAD7403A0}"/>
+                <a16:creationId xmlns:a16="http://schemas.microsoft.com/office/drawing/2014/main" xmlns="" id="{F28A2537-7C03-421F-B15A-C5EDAD7403A0}"/>
               </a:ext>
             </a:extLst>
           </p:cNvPr>
@@ -9192,7 +9183,7 @@
           <p:cNvPr id="2" name="Titre 1">
             <a:extLst>
               <a:ext uri="{FF2B5EF4-FFF2-40B4-BE49-F238E27FC236}">
-                <a16:creationId xmlns="" xmlns:a16="http://schemas.microsoft.com/office/drawing/2014/main" id="{F9441E13-CEE3-4371-8084-C8CCA2A693CE}"/>
+                <a16:creationId xmlns:a16="http://schemas.microsoft.com/office/drawing/2014/main" xmlns="" id="{F9441E13-CEE3-4371-8084-C8CCA2A693CE}"/>
               </a:ext>
             </a:extLst>
           </p:cNvPr>
@@ -9227,7 +9218,7 @@
           <p:cNvPr id="3" name="Espace réservé du contenu 2">
             <a:extLst>
               <a:ext uri="{FF2B5EF4-FFF2-40B4-BE49-F238E27FC236}">
-                <a16:creationId xmlns="" xmlns:a16="http://schemas.microsoft.com/office/drawing/2014/main" id="{F704A0A9-FA16-4CD7-AB3F-0CDD674A7B13}"/>
+                <a16:creationId xmlns:a16="http://schemas.microsoft.com/office/drawing/2014/main" xmlns="" id="{F704A0A9-FA16-4CD7-AB3F-0CDD674A7B13}"/>
               </a:ext>
             </a:extLst>
           </p:cNvPr>
@@ -9314,7 +9305,7 @@
           <p:cNvPr id="4" name="Flèche : courbe vers la gauche 3">
             <a:extLst>
               <a:ext uri="{FF2B5EF4-FFF2-40B4-BE49-F238E27FC236}">
-                <a16:creationId xmlns="" xmlns:a16="http://schemas.microsoft.com/office/drawing/2014/main" id="{DBF94E89-C63F-4C3E-B67F-EABECE887043}"/>
+                <a16:creationId xmlns:a16="http://schemas.microsoft.com/office/drawing/2014/main" xmlns="" id="{DBF94E89-C63F-4C3E-B67F-EABECE887043}"/>
               </a:ext>
             </a:extLst>
           </p:cNvPr>
@@ -9394,7 +9385,7 @@
           <p:cNvPr id="2" name="Titre 1">
             <a:extLst>
               <a:ext uri="{FF2B5EF4-FFF2-40B4-BE49-F238E27FC236}">
-                <a16:creationId xmlns="" xmlns:a16="http://schemas.microsoft.com/office/drawing/2014/main" id="{2DC0D81E-B9B4-4ED0-AC6A-2528F6729AAD}"/>
+                <a16:creationId xmlns:a16="http://schemas.microsoft.com/office/drawing/2014/main" xmlns="" id="{2DC0D81E-B9B4-4ED0-AC6A-2528F6729AAD}"/>
               </a:ext>
             </a:extLst>
           </p:cNvPr>
@@ -9429,7 +9420,7 @@
           <p:cNvPr id="3" name="Espace réservé du contenu 2">
             <a:extLst>
               <a:ext uri="{FF2B5EF4-FFF2-40B4-BE49-F238E27FC236}">
-                <a16:creationId xmlns="" xmlns:a16="http://schemas.microsoft.com/office/drawing/2014/main" id="{CAA9697C-04C5-4640-8B47-3BC10142B807}"/>
+                <a16:creationId xmlns:a16="http://schemas.microsoft.com/office/drawing/2014/main" xmlns="" id="{CAA9697C-04C5-4640-8B47-3BC10142B807}"/>
               </a:ext>
             </a:extLst>
           </p:cNvPr>
@@ -9563,7 +9554,7 @@
           <p:cNvPr id="2" name="Titre 1">
             <a:extLst>
               <a:ext uri="{FF2B5EF4-FFF2-40B4-BE49-F238E27FC236}">
-                <a16:creationId xmlns="" xmlns:a16="http://schemas.microsoft.com/office/drawing/2014/main" id="{512CC707-4647-4CB8-B911-6A90FB4AD937}"/>
+                <a16:creationId xmlns:a16="http://schemas.microsoft.com/office/drawing/2014/main" xmlns="" id="{512CC707-4647-4CB8-B911-6A90FB4AD937}"/>
               </a:ext>
             </a:extLst>
           </p:cNvPr>
@@ -9611,7 +9602,7 @@
           <p:cNvPr id="3" name="Espace réservé du contenu 2">
             <a:extLst>
               <a:ext uri="{FF2B5EF4-FFF2-40B4-BE49-F238E27FC236}">
-                <a16:creationId xmlns="" xmlns:a16="http://schemas.microsoft.com/office/drawing/2014/main" id="{E72F21AE-8E73-48D1-987B-6190E8382598}"/>
+                <a16:creationId xmlns:a16="http://schemas.microsoft.com/office/drawing/2014/main" xmlns="" id="{E72F21AE-8E73-48D1-987B-6190E8382598}"/>
               </a:ext>
             </a:extLst>
           </p:cNvPr>
@@ -9711,7 +9702,7 @@
           <p:cNvPr id="2" name="Titre 1">
             <a:extLst>
               <a:ext uri="{FF2B5EF4-FFF2-40B4-BE49-F238E27FC236}">
-                <a16:creationId xmlns="" xmlns:a16="http://schemas.microsoft.com/office/drawing/2014/main" id="{44BBB705-BF6F-4FF4-A44C-8A030495D815}"/>
+                <a16:creationId xmlns:a16="http://schemas.microsoft.com/office/drawing/2014/main" xmlns="" id="{44BBB705-BF6F-4FF4-A44C-8A030495D815}"/>
               </a:ext>
             </a:extLst>
           </p:cNvPr>
@@ -9746,7 +9737,7 @@
           <p:cNvPr id="3" name="Espace réservé du contenu 2">
             <a:extLst>
               <a:ext uri="{FF2B5EF4-FFF2-40B4-BE49-F238E27FC236}">
-                <a16:creationId xmlns="" xmlns:a16="http://schemas.microsoft.com/office/drawing/2014/main" id="{59F03384-E0AA-4525-AC34-2764C6ECFEDA}"/>
+                <a16:creationId xmlns:a16="http://schemas.microsoft.com/office/drawing/2014/main" xmlns="" id="{59F03384-E0AA-4525-AC34-2764C6ECFEDA}"/>
               </a:ext>
             </a:extLst>
           </p:cNvPr>
@@ -9890,7 +9881,7 @@
           <p:cNvPr id="2" name="Titre 1">
             <a:extLst>
               <a:ext uri="{FF2B5EF4-FFF2-40B4-BE49-F238E27FC236}">
-                <a16:creationId xmlns="" xmlns:a16="http://schemas.microsoft.com/office/drawing/2014/main" id="{22DD26D8-472D-4FA3-8110-E67932AC91FD}"/>
+                <a16:creationId xmlns:a16="http://schemas.microsoft.com/office/drawing/2014/main" xmlns="" id="{22DD26D8-472D-4FA3-8110-E67932AC91FD}"/>
               </a:ext>
             </a:extLst>
           </p:cNvPr>
@@ -9938,7 +9929,7 @@
           <p:cNvPr id="3" name="Espace réservé du contenu 2">
             <a:extLst>
               <a:ext uri="{FF2B5EF4-FFF2-40B4-BE49-F238E27FC236}">
-                <a16:creationId xmlns="" xmlns:a16="http://schemas.microsoft.com/office/drawing/2014/main" id="{B66E4383-1A2E-40DC-A2C2-EA8D245C8A1B}"/>
+                <a16:creationId xmlns:a16="http://schemas.microsoft.com/office/drawing/2014/main" xmlns="" id="{B66E4383-1A2E-40DC-A2C2-EA8D245C8A1B}"/>
               </a:ext>
             </a:extLst>
           </p:cNvPr>
@@ -10085,7 +10076,7 @@
           <p:cNvPr id="2" name="Titre 1">
             <a:extLst>
               <a:ext uri="{FF2B5EF4-FFF2-40B4-BE49-F238E27FC236}">
-                <a16:creationId xmlns="" xmlns:a16="http://schemas.microsoft.com/office/drawing/2014/main" id="{E0C1F39D-04FA-4E81-832A-565C78E64EE0}"/>
+                <a16:creationId xmlns:a16="http://schemas.microsoft.com/office/drawing/2014/main" xmlns="" id="{E0C1F39D-04FA-4E81-832A-565C78E64EE0}"/>
               </a:ext>
             </a:extLst>
           </p:cNvPr>
@@ -10117,16 +10108,14 @@
       </p:sp>
       <p:pic>
         <p:nvPicPr>
-          <p:cNvPr id="5" name="Espace réservé du contenu 4"/>
+          <p:cNvPr id="6" name="Image 5"/>
           <p:cNvPicPr>
-            <a:picLocks noGrp="1" noChangeAspect="1"/>
+            <a:picLocks noChangeAspect="1"/>
           </p:cNvPicPr>
-          <p:nvPr>
-            <p:ph idx="1"/>
-          </p:nvPr>
+          <p:nvPr/>
         </p:nvPicPr>
         <p:blipFill>
-          <a:blip r:embed="rId2" cstate="print">
+          <a:blip r:embed="rId2">
             <a:extLst>
               <a:ext uri="{28A0092B-C50C-407E-A947-70E740481C1C}">
                 <a14:useLocalDpi xmlns:a14="http://schemas.microsoft.com/office/drawing/2010/main" val="0"/>
@@ -10139,9 +10128,12 @@
         </p:blipFill>
         <p:spPr>
           <a:xfrm>
-            <a:off x="2147576" y="2014451"/>
-            <a:ext cx="7257681" cy="4688897"/>
-          </a:xfrm>
+            <a:off x="2404408" y="2083443"/>
+            <a:ext cx="7383185" cy="4883414"/>
+          </a:xfrm>
+          <a:prstGeom prst="rect">
+            <a:avLst/>
+          </a:prstGeom>
         </p:spPr>
       </p:pic>
     </p:spTree>
@@ -10187,7 +10179,7 @@
           <p:cNvPr id="2" name="Titre 1">
             <a:extLst>
               <a:ext uri="{FF2B5EF4-FFF2-40B4-BE49-F238E27FC236}">
-                <a16:creationId xmlns="" xmlns:a16="http://schemas.microsoft.com/office/drawing/2014/main" id="{143C863E-019F-43CB-B518-3FF8084ABF3B}"/>
+                <a16:creationId xmlns:a16="http://schemas.microsoft.com/office/drawing/2014/main" xmlns="" id="{143C863E-019F-43CB-B518-3FF8084ABF3B}"/>
               </a:ext>
             </a:extLst>
           </p:cNvPr>

--- a/Projet final.pptx
+++ b/Projet final.pptx
@@ -13,14 +13,13 @@
     <p:sldId id="261" r:id="rId7"/>
     <p:sldId id="262" r:id="rId8"/>
     <p:sldId id="263" r:id="rId9"/>
-    <p:sldId id="264" r:id="rId10"/>
+    <p:sldId id="272" r:id="rId10"/>
     <p:sldId id="265" r:id="rId11"/>
     <p:sldId id="266" r:id="rId12"/>
-    <p:sldId id="267" r:id="rId13"/>
-    <p:sldId id="268" r:id="rId14"/>
-    <p:sldId id="269" r:id="rId15"/>
-    <p:sldId id="270" r:id="rId16"/>
-    <p:sldId id="271" r:id="rId17"/>
+    <p:sldId id="268" r:id="rId13"/>
+    <p:sldId id="269" r:id="rId14"/>
+    <p:sldId id="270" r:id="rId15"/>
+    <p:sldId id="271" r:id="rId16"/>
   </p:sldIdLst>
   <p:sldSz cx="12192000" cy="6858000"/>
   <p:notesSz cx="6858000" cy="9144000"/>
@@ -7771,7 +7770,7 @@
           <p:cNvPr id="2" name="Titre 1">
             <a:extLst>
               <a:ext uri="{FF2B5EF4-FFF2-40B4-BE49-F238E27FC236}">
-                <a16:creationId xmlns:a16="http://schemas.microsoft.com/office/drawing/2014/main" xmlns="" id="{35F66955-3072-4076-AAE0-910469EE0894}"/>
+                <a16:creationId xmlns="" xmlns:a16="http://schemas.microsoft.com/office/drawing/2014/main" id="{35F66955-3072-4076-AAE0-910469EE0894}"/>
               </a:ext>
             </a:extLst>
           </p:cNvPr>
@@ -7796,7 +7795,11 @@
             </a:br>
             <a:r>
               <a:rPr lang="fr-FR" dirty="0"/>
-              <a:t>Usine à talents</a:t>
+              <a:t>Usine </a:t>
+            </a:r>
+            <a:r>
+              <a:rPr lang="fr-FR"/>
+              <a:t>à talents</a:t>
             </a:r>
           </a:p>
         </p:txBody>
@@ -7806,7 +7809,7 @@
           <p:cNvPr id="3" name="Sous-titre 2">
             <a:extLst>
               <a:ext uri="{FF2B5EF4-FFF2-40B4-BE49-F238E27FC236}">
-                <a16:creationId xmlns:a16="http://schemas.microsoft.com/office/drawing/2014/main" xmlns="" id="{82D42387-76EF-454D-990C-0AD76E9A3BAC}"/>
+                <a16:creationId xmlns="" xmlns:a16="http://schemas.microsoft.com/office/drawing/2014/main" id="{82D42387-76EF-454D-990C-0AD76E9A3BAC}"/>
               </a:ext>
             </a:extLst>
           </p:cNvPr>
@@ -7839,7 +7842,7 @@
           <p:cNvPr id="5" name="Sous-titre 2">
             <a:extLst>
               <a:ext uri="{FF2B5EF4-FFF2-40B4-BE49-F238E27FC236}">
-                <a16:creationId xmlns:a16="http://schemas.microsoft.com/office/drawing/2014/main" xmlns="" id="{57C0654A-59AA-4B68-9D5A-6C415E8EC91D}"/>
+                <a16:creationId xmlns="" xmlns:a16="http://schemas.microsoft.com/office/drawing/2014/main" id="{57C0654A-59AA-4B68-9D5A-6C415E8EC91D}"/>
               </a:ext>
             </a:extLst>
           </p:cNvPr>
@@ -8115,7 +8118,7 @@
           <p:cNvPr id="2" name="Titre 1">
             <a:extLst>
               <a:ext uri="{FF2B5EF4-FFF2-40B4-BE49-F238E27FC236}">
-                <a16:creationId xmlns:a16="http://schemas.microsoft.com/office/drawing/2014/main" xmlns="" id="{380C8E54-3508-43B3-9676-2A3B332EE20C}"/>
+                <a16:creationId xmlns="" xmlns:a16="http://schemas.microsoft.com/office/drawing/2014/main" id="{380C8E54-3508-43B3-9676-2A3B332EE20C}"/>
               </a:ext>
             </a:extLst>
           </p:cNvPr>
@@ -8151,7 +8154,7 @@
           <p:cNvPr id="3" name="Espace réservé du contenu 2">
             <a:extLst>
               <a:ext uri="{FF2B5EF4-FFF2-40B4-BE49-F238E27FC236}">
-                <a16:creationId xmlns:a16="http://schemas.microsoft.com/office/drawing/2014/main" xmlns="" id="{448F44E6-9AA5-4A56-AE99-E68B9F62D0BC}"/>
+                <a16:creationId xmlns="" xmlns:a16="http://schemas.microsoft.com/office/drawing/2014/main" id="{448F44E6-9AA5-4A56-AE99-E68B9F62D0BC}"/>
               </a:ext>
             </a:extLst>
           </p:cNvPr>
@@ -8162,7 +8165,12 @@
             <p:ph idx="1"/>
           </p:nvPr>
         </p:nvSpPr>
-        <p:spPr/>
+        <p:spPr>
+          <a:xfrm>
+            <a:off x="680321" y="2184472"/>
+            <a:ext cx="9613861" cy="4357841"/>
+          </a:xfrm>
+        </p:spPr>
         <p:txBody>
           <a:bodyPr>
             <a:normAutofit lnSpcReduction="10000"/>
@@ -8238,8 +8246,27 @@
             </a:r>
             <a:r>
               <a:rPr lang="fr-FR" dirty="0" smtClean="0"/>
-              <a:t> 4+</a:t>
-            </a:r>
+              <a:t> 4</a:t>
+            </a:r>
+            <a:r>
+              <a:rPr lang="fr-FR" dirty="0" smtClean="0"/>
+              <a:t>+</a:t>
+            </a:r>
+          </a:p>
+          <a:p>
+            <a:pPr algn="ctr"/>
+            <a:r>
+              <a:rPr lang="fr-FR" dirty="0" smtClean="0"/>
+              <a:t>HTML 5</a:t>
+            </a:r>
+          </a:p>
+          <a:p>
+            <a:pPr algn="ctr"/>
+            <a:r>
+              <a:rPr lang="fr-FR" dirty="0" err="1" smtClean="0"/>
+              <a:t>Bootstrap</a:t>
+            </a:r>
+            <a:endParaRPr lang="fr-FR" dirty="0" smtClean="0"/>
           </a:p>
           <a:p>
             <a:endParaRPr lang="fr-FR" dirty="0" smtClean="0"/>
@@ -8281,7 +8308,7 @@
           <p:cNvPr id="2" name="Titre 1">
             <a:extLst>
               <a:ext uri="{FF2B5EF4-FFF2-40B4-BE49-F238E27FC236}">
-                <a16:creationId xmlns:a16="http://schemas.microsoft.com/office/drawing/2014/main" xmlns="" id="{380C8E54-3508-43B3-9676-2A3B332EE20C}"/>
+                <a16:creationId xmlns="" xmlns:a16="http://schemas.microsoft.com/office/drawing/2014/main" id="{380C8E54-3508-43B3-9676-2A3B332EE20C}"/>
               </a:ext>
             </a:extLst>
           </p:cNvPr>
@@ -8317,7 +8344,7 @@
           <p:cNvPr id="3" name="Espace réservé du contenu 2">
             <a:extLst>
               <a:ext uri="{FF2B5EF4-FFF2-40B4-BE49-F238E27FC236}">
-                <a16:creationId xmlns:a16="http://schemas.microsoft.com/office/drawing/2014/main" xmlns="" id="{448F44E6-9AA5-4A56-AE99-E68B9F62D0BC}"/>
+                <a16:creationId xmlns="" xmlns:a16="http://schemas.microsoft.com/office/drawing/2014/main" id="{448F44E6-9AA5-4A56-AE99-E68B9F62D0BC}"/>
               </a:ext>
             </a:extLst>
           </p:cNvPr>
@@ -8400,7 +8427,7 @@
           <p:cNvPr id="2" name="Titre 1">
             <a:extLst>
               <a:ext uri="{FF2B5EF4-FFF2-40B4-BE49-F238E27FC236}">
-                <a16:creationId xmlns:a16="http://schemas.microsoft.com/office/drawing/2014/main" xmlns="" id="{380C8E54-3508-43B3-9676-2A3B332EE20C}"/>
+                <a16:creationId xmlns="" xmlns:a16="http://schemas.microsoft.com/office/drawing/2014/main" id="{380C8E54-3508-43B3-9676-2A3B332EE20C}"/>
               </a:ext>
             </a:extLst>
           </p:cNvPr>
@@ -8418,11 +8445,23 @@
           <a:p>
             <a:r>
               <a:rPr lang="fr-FR" dirty="0"/>
-              <a:t>Présentation de l’application </a:t>
+              <a:t>Présentation de </a:t>
+            </a:r>
+            <a:r>
+              <a:rPr lang="fr-FR" dirty="0" smtClean="0"/>
+              <a:t>l’application </a:t>
+            </a:r>
+            <a:r>
+              <a:rPr lang="fr-FR" dirty="0"/>
+              <a:t/>
             </a:r>
             <a:br>
               <a:rPr lang="fr-FR" dirty="0"/>
             </a:br>
+            <a:r>
+              <a:rPr lang="fr-FR" dirty="0" smtClean="0"/>
+              <a:t>Front end</a:t>
+            </a:r>
             <a:endParaRPr lang="fr-FR" dirty="0"/>
           </a:p>
         </p:txBody>
@@ -8432,7 +8471,7 @@
           <p:cNvPr id="3" name="Espace réservé du contenu 2">
             <a:extLst>
               <a:ext uri="{FF2B5EF4-FFF2-40B4-BE49-F238E27FC236}">
-                <a16:creationId xmlns:a16="http://schemas.microsoft.com/office/drawing/2014/main" xmlns="" id="{448F44E6-9AA5-4A56-AE99-E68B9F62D0BC}"/>
+                <a16:creationId xmlns="" xmlns:a16="http://schemas.microsoft.com/office/drawing/2014/main" id="{448F44E6-9AA5-4A56-AE99-E68B9F62D0BC}"/>
               </a:ext>
             </a:extLst>
           </p:cNvPr>
@@ -8448,6 +8487,129 @@
           <a:bodyPr/>
           <a:lstStyle/>
           <a:p>
+            <a:r>
+              <a:rPr lang="fr-FR" dirty="0" smtClean="0"/>
+              <a:t>Utilisation d’Angular4 + </a:t>
+            </a:r>
+            <a:r>
+              <a:rPr lang="fr-FR" dirty="0" err="1" smtClean="0"/>
+              <a:t>Boostrap</a:t>
+            </a:r>
+            <a:r>
+              <a:rPr lang="fr-FR" dirty="0" smtClean="0"/>
+              <a:t> + </a:t>
+            </a:r>
+            <a:r>
+              <a:rPr lang="fr-FR" dirty="0" err="1" smtClean="0"/>
+              <a:t>ng-fullcalendar</a:t>
+            </a:r>
+            <a:endParaRPr lang="fr-FR" dirty="0" smtClean="0"/>
+          </a:p>
+          <a:p>
+            <a:pPr lvl="1">
+              <a:lnSpc>
+                <a:spcPct val="150000"/>
+              </a:lnSpc>
+              <a:buFont typeface="Wingdings" panose="05000000000000000000" pitchFamily="2" charset="2"/>
+              <a:buChar char="§"/>
+            </a:pPr>
+            <a:r>
+              <a:rPr lang="fr-FR" dirty="0" smtClean="0"/>
+              <a:t>Authentification</a:t>
+            </a:r>
+          </a:p>
+          <a:p>
+            <a:pPr lvl="1">
+              <a:lnSpc>
+                <a:spcPct val="150000"/>
+              </a:lnSpc>
+              <a:buFont typeface="Wingdings" panose="05000000000000000000" pitchFamily="2" charset="2"/>
+              <a:buChar char="§"/>
+            </a:pPr>
+            <a:r>
+              <a:rPr lang="fr-FR" dirty="0" smtClean="0"/>
+              <a:t>Architecture (routes et </a:t>
+            </a:r>
+            <a:r>
+              <a:rPr lang="fr-FR" dirty="0" err="1" smtClean="0"/>
+              <a:t>httpclient</a:t>
+            </a:r>
+            <a:r>
+              <a:rPr lang="fr-FR" dirty="0" smtClean="0"/>
+              <a:t>)</a:t>
+            </a:r>
+          </a:p>
+          <a:p>
+            <a:pPr lvl="1">
+              <a:lnSpc>
+                <a:spcPct val="150000"/>
+              </a:lnSpc>
+              <a:buFont typeface="Wingdings" panose="05000000000000000000" pitchFamily="2" charset="2"/>
+              <a:buChar char="§"/>
+            </a:pPr>
+            <a:r>
+              <a:rPr lang="fr-FR" dirty="0" smtClean="0"/>
+              <a:t>Visuel (</a:t>
+            </a:r>
+            <a:r>
+              <a:rPr lang="fr-FR" dirty="0" err="1" smtClean="0"/>
+              <a:t>Bootstrap</a:t>
+            </a:r>
+            <a:r>
+              <a:rPr lang="fr-FR" dirty="0" smtClean="0"/>
+              <a:t>, form.io)</a:t>
+            </a:r>
+            <a:endParaRPr lang="fr-FR" dirty="0" smtClean="0"/>
+          </a:p>
+          <a:p>
+            <a:pPr lvl="1">
+              <a:lnSpc>
+                <a:spcPct val="150000"/>
+              </a:lnSpc>
+              <a:buFont typeface="Wingdings" panose="05000000000000000000" pitchFamily="2" charset="2"/>
+              <a:buChar char="§"/>
+            </a:pPr>
+            <a:r>
+              <a:rPr lang="fr-FR" dirty="0" smtClean="0"/>
+              <a:t>Listes liées à la base SQL avec possibilité d’édition (services)</a:t>
+            </a:r>
+          </a:p>
+          <a:p>
+            <a:pPr lvl="1">
+              <a:lnSpc>
+                <a:spcPct val="150000"/>
+              </a:lnSpc>
+              <a:buFont typeface="Wingdings" panose="05000000000000000000" pitchFamily="2" charset="2"/>
+              <a:buChar char="§"/>
+            </a:pPr>
+            <a:r>
+              <a:rPr lang="fr-FR" dirty="0" smtClean="0"/>
+              <a:t>Planning (</a:t>
+            </a:r>
+            <a:r>
+              <a:rPr lang="fr-FR" dirty="0" err="1" smtClean="0"/>
+              <a:t>ng-fullcalendar</a:t>
+            </a:r>
+            <a:r>
+              <a:rPr lang="fr-FR" dirty="0" smtClean="0"/>
+              <a:t>)</a:t>
+            </a:r>
+          </a:p>
+          <a:p>
+            <a:pPr lvl="1">
+              <a:lnSpc>
+                <a:spcPct val="150000"/>
+              </a:lnSpc>
+              <a:buFont typeface="Wingdings" panose="05000000000000000000" pitchFamily="2" charset="2"/>
+              <a:buChar char="§"/>
+            </a:pPr>
+            <a:r>
+              <a:rPr lang="fr-FR" dirty="0" smtClean="0"/>
+              <a:t>Authentification </a:t>
+            </a:r>
+            <a:endParaRPr lang="fr-FR" dirty="0" smtClean="0"/>
+          </a:p>
+          <a:p>
             <a:endParaRPr lang="fr-FR" dirty="0"/>
           </a:p>
         </p:txBody>
@@ -8455,7 +8617,7 @@
     </p:spTree>
     <p:extLst>
       <p:ext uri="{BB962C8B-B14F-4D97-AF65-F5344CB8AC3E}">
-        <p14:creationId xmlns:p14="http://schemas.microsoft.com/office/powerpoint/2010/main" val="1642497518"/>
+        <p14:creationId xmlns:p14="http://schemas.microsoft.com/office/powerpoint/2010/main" val="3496747505"/>
       </p:ext>
     </p:extLst>
   </p:cSld>
@@ -8487,7 +8649,7 @@
           <p:cNvPr id="2" name="Titre 1">
             <a:extLst>
               <a:ext uri="{FF2B5EF4-FFF2-40B4-BE49-F238E27FC236}">
-                <a16:creationId xmlns:a16="http://schemas.microsoft.com/office/drawing/2014/main" xmlns="" id="{380C8E54-3508-43B3-9676-2A3B332EE20C}"/>
+                <a16:creationId xmlns="" xmlns:a16="http://schemas.microsoft.com/office/drawing/2014/main" id="{192AF73E-CA44-41CF-803B-BBD400D3200A}"/>
               </a:ext>
             </a:extLst>
           </p:cNvPr>
@@ -8505,24 +8667,8 @@
           <a:p>
             <a:r>
               <a:rPr lang="fr-FR" dirty="0"/>
-              <a:t>Présentation de </a:t>
-            </a:r>
-            <a:r>
-              <a:rPr lang="fr-FR" dirty="0" smtClean="0"/>
-              <a:t>l’application </a:t>
-            </a:r>
-            <a:r>
-              <a:rPr lang="fr-FR" dirty="0"/>
-              <a:t/>
-            </a:r>
-            <a:br>
-              <a:rPr lang="fr-FR" dirty="0"/>
-            </a:br>
-            <a:r>
-              <a:rPr lang="fr-FR" dirty="0" smtClean="0"/>
-              <a:t>Front end</a:t>
-            </a:r>
-            <a:endParaRPr lang="fr-FR" dirty="0"/>
+              <a:t>Bilan </a:t>
+            </a:r>
           </a:p>
         </p:txBody>
       </p:sp>
@@ -8531,7 +8677,7 @@
           <p:cNvPr id="3" name="Espace réservé du contenu 2">
             <a:extLst>
               <a:ext uri="{FF2B5EF4-FFF2-40B4-BE49-F238E27FC236}">
-                <a16:creationId xmlns:a16="http://schemas.microsoft.com/office/drawing/2014/main" xmlns="" id="{448F44E6-9AA5-4A56-AE99-E68B9F62D0BC}"/>
+                <a16:creationId xmlns="" xmlns:a16="http://schemas.microsoft.com/office/drawing/2014/main" id="{3A9AB758-24D0-44E2-8E5A-EF1802A0837C}"/>
               </a:ext>
             </a:extLst>
           </p:cNvPr>
@@ -8544,117 +8690,63 @@
         </p:nvSpPr>
         <p:spPr/>
         <p:txBody>
-          <a:bodyPr/>
+          <a:bodyPr>
+            <a:normAutofit/>
+          </a:bodyPr>
           <a:lstStyle/>
           <a:p>
             <a:r>
-              <a:rPr lang="fr-FR" dirty="0" smtClean="0"/>
-              <a:t>Utilisation d’Angular4 + </a:t>
-            </a:r>
-            <a:r>
-              <a:rPr lang="fr-FR" dirty="0" err="1" smtClean="0"/>
-              <a:t>Boostrap</a:t>
-            </a:r>
-            <a:r>
-              <a:rPr lang="fr-FR" dirty="0" smtClean="0"/>
-              <a:t> + </a:t>
-            </a:r>
-            <a:r>
-              <a:rPr lang="fr-FR" dirty="0" err="1" smtClean="0"/>
-              <a:t>ng-fullcalendar</a:t>
-            </a:r>
-            <a:endParaRPr lang="fr-FR" dirty="0" smtClean="0"/>
-          </a:p>
-          <a:p>
-            <a:pPr lvl="1">
-              <a:lnSpc>
-                <a:spcPct val="150000"/>
-              </a:lnSpc>
-              <a:buFont typeface="Wingdings" panose="05000000000000000000" pitchFamily="2" charset="2"/>
-              <a:buChar char="§"/>
-            </a:pPr>
-            <a:r>
-              <a:rPr lang="fr-FR" dirty="0" smtClean="0"/>
-              <a:t>Authentification</a:t>
-            </a:r>
-          </a:p>
-          <a:p>
-            <a:pPr lvl="1">
-              <a:lnSpc>
-                <a:spcPct val="150000"/>
-              </a:lnSpc>
-              <a:buFont typeface="Wingdings" panose="05000000000000000000" pitchFamily="2" charset="2"/>
-              <a:buChar char="§"/>
-            </a:pPr>
-            <a:r>
-              <a:rPr lang="fr-FR" dirty="0" smtClean="0"/>
-              <a:t>Architecture (routes et </a:t>
-            </a:r>
-            <a:r>
-              <a:rPr lang="fr-FR" dirty="0" err="1" smtClean="0"/>
-              <a:t>httpclient</a:t>
-            </a:r>
-            <a:r>
-              <a:rPr lang="fr-FR" dirty="0" smtClean="0"/>
-              <a:t>)</a:t>
-            </a:r>
-          </a:p>
-          <a:p>
-            <a:pPr lvl="1">
-              <a:lnSpc>
-                <a:spcPct val="150000"/>
-              </a:lnSpc>
-              <a:buFont typeface="Wingdings" panose="05000000000000000000" pitchFamily="2" charset="2"/>
-              <a:buChar char="§"/>
-            </a:pPr>
-            <a:r>
-              <a:rPr lang="fr-FR" dirty="0" smtClean="0"/>
-              <a:t>Visuel (</a:t>
-            </a:r>
-            <a:r>
-              <a:rPr lang="fr-FR" dirty="0" err="1" smtClean="0"/>
-              <a:t>Bootstrap</a:t>
-            </a:r>
-            <a:r>
-              <a:rPr lang="fr-FR" dirty="0" smtClean="0"/>
-              <a:t>)</a:t>
-            </a:r>
-          </a:p>
-          <a:p>
-            <a:pPr lvl="1">
-              <a:lnSpc>
-                <a:spcPct val="150000"/>
-              </a:lnSpc>
-              <a:buFont typeface="Wingdings" panose="05000000000000000000" pitchFamily="2" charset="2"/>
-              <a:buChar char="§"/>
-            </a:pPr>
-            <a:r>
-              <a:rPr lang="fr-FR" dirty="0" smtClean="0"/>
-              <a:t>Listes liées à la base SQL avec possibilité d’édition (services)</a:t>
-            </a:r>
-          </a:p>
-          <a:p>
-            <a:pPr lvl="1">
-              <a:lnSpc>
-                <a:spcPct val="150000"/>
-              </a:lnSpc>
-              <a:buFont typeface="Wingdings" panose="05000000000000000000" pitchFamily="2" charset="2"/>
-              <a:buChar char="§"/>
-            </a:pPr>
-            <a:r>
-              <a:rPr lang="fr-FR" dirty="0" smtClean="0"/>
-              <a:t>Planning (</a:t>
-            </a:r>
-            <a:r>
-              <a:rPr lang="fr-FR" dirty="0" err="1" smtClean="0"/>
-              <a:t>ng-fullcalendar</a:t>
-            </a:r>
-            <a:r>
-              <a:rPr lang="fr-FR" dirty="0" smtClean="0"/>
-              <a:t>)</a:t>
-            </a:r>
-          </a:p>
-          <a:p>
+              <a:rPr lang="fr-FR" dirty="0"/>
+              <a:t> Application ergonomique à utilisation aisée </a:t>
+            </a:r>
+          </a:p>
+          <a:p>
+            <a:r>
+              <a:rPr lang="fr-FR" dirty="0"/>
+              <a:t>Répond globalement aux besoins du client </a:t>
+            </a:r>
+          </a:p>
+          <a:p>
+            <a:r>
+              <a:rPr lang="fr-FR" dirty="0"/>
+              <a:t>Temps imparti trop court pour la mise en place de toutes les fonctionnalités </a:t>
+            </a:r>
+          </a:p>
+          <a:p>
+            <a:r>
+              <a:rPr lang="fr-FR" dirty="0"/>
+              <a:t>Prise en main du Framework </a:t>
+            </a:r>
+            <a:r>
+              <a:rPr lang="fr-FR" dirty="0" err="1"/>
+              <a:t>Angular</a:t>
+            </a:r>
+            <a:r>
+              <a:rPr lang="fr-FR" dirty="0"/>
+              <a:t> 4</a:t>
+            </a:r>
+          </a:p>
+          <a:p>
+            <a:r>
+              <a:rPr lang="fr-FR" dirty="0"/>
+              <a:t>Difficultés pour la mise en place d’une authentification</a:t>
+            </a:r>
+          </a:p>
+          <a:p>
+            <a:pPr lvl="2"/>
+            <a:r>
+              <a:rPr lang="fr-FR" dirty="0"/>
+              <a:t>Accès non sécurisé </a:t>
+            </a:r>
+          </a:p>
+          <a:p>
+            <a:r>
+              <a:rPr lang="fr-FR" dirty="0"/>
+              <a:t>Difficultés pour la mise en place d’un planning visuel </a:t>
+            </a:r>
+          </a:p>
+          <a:p>
+            <a:pPr lvl="2"/>
             <a:endParaRPr lang="fr-FR" dirty="0"/>
           </a:p>
         </p:txBody>
@@ -8662,7 +8754,7 @@
     </p:spTree>
     <p:extLst>
       <p:ext uri="{BB962C8B-B14F-4D97-AF65-F5344CB8AC3E}">
-        <p14:creationId xmlns:p14="http://schemas.microsoft.com/office/powerpoint/2010/main" val="3496747505"/>
+        <p14:creationId xmlns:p14="http://schemas.microsoft.com/office/powerpoint/2010/main" val="630175808"/>
       </p:ext>
     </p:extLst>
   </p:cSld>
@@ -8694,7 +8786,7 @@
           <p:cNvPr id="2" name="Titre 1">
             <a:extLst>
               <a:ext uri="{FF2B5EF4-FFF2-40B4-BE49-F238E27FC236}">
-                <a16:creationId xmlns:a16="http://schemas.microsoft.com/office/drawing/2014/main" xmlns="" id="{192AF73E-CA44-41CF-803B-BBD400D3200A}"/>
+                <a16:creationId xmlns="" xmlns:a16="http://schemas.microsoft.com/office/drawing/2014/main" id="{16B3709F-FBDE-42AA-9C23-C813B88702E1}"/>
               </a:ext>
             </a:extLst>
           </p:cNvPr>
@@ -8712,7 +8804,7 @@
           <a:p>
             <a:r>
               <a:rPr lang="fr-FR" dirty="0"/>
-              <a:t>Bilan </a:t>
+              <a:t>Perspectives </a:t>
             </a:r>
           </a:p>
         </p:txBody>
@@ -8722,7 +8814,7 @@
           <p:cNvPr id="3" name="Espace réservé du contenu 2">
             <a:extLst>
               <a:ext uri="{FF2B5EF4-FFF2-40B4-BE49-F238E27FC236}">
-                <a16:creationId xmlns:a16="http://schemas.microsoft.com/office/drawing/2014/main" xmlns="" id="{3A9AB758-24D0-44E2-8E5A-EF1802A0837C}"/>
+                <a16:creationId xmlns="" xmlns:a16="http://schemas.microsoft.com/office/drawing/2014/main" id="{5E3D3DF2-C56C-4868-9CFC-9B16C8A13459}"/>
               </a:ext>
             </a:extLst>
           </p:cNvPr>
@@ -8735,71 +8827,52 @@
         </p:nvSpPr>
         <p:spPr/>
         <p:txBody>
-          <a:bodyPr>
-            <a:normAutofit/>
-          </a:bodyPr>
+          <a:bodyPr/>
           <a:lstStyle/>
           <a:p>
             <a:r>
               <a:rPr lang="fr-FR" dirty="0"/>
-              <a:t> Application ergonomique à utilisation aisée </a:t>
-            </a:r>
-          </a:p>
-          <a:p>
-            <a:r>
-              <a:rPr lang="fr-FR" dirty="0"/>
-              <a:t>Répond globalement aux besoins du client </a:t>
-            </a:r>
-          </a:p>
-          <a:p>
-            <a:r>
-              <a:rPr lang="fr-FR" dirty="0"/>
-              <a:t>Temps imparti trop court pour la mise en place de toutes les fonctionnalités </a:t>
-            </a:r>
-          </a:p>
-          <a:p>
-            <a:r>
-              <a:rPr lang="fr-FR" dirty="0"/>
-              <a:t>Prise en main du Framework </a:t>
+              <a:t>Création du système d’</a:t>
             </a:r>
             <a:r>
               <a:rPr lang="fr-FR" dirty="0" err="1"/>
-              <a:t>Angular</a:t>
-            </a:r>
-            <a:r>
-              <a:rPr lang="fr-FR" dirty="0"/>
-              <a:t> 4</a:t>
-            </a:r>
-          </a:p>
-          <a:p>
-            <a:r>
-              <a:rPr lang="fr-FR" dirty="0"/>
-              <a:t>Difficultés pour la mise en place d’une authentification</a:t>
-            </a:r>
-          </a:p>
-          <a:p>
-            <a:pPr lvl="2"/>
-            <a:r>
-              <a:rPr lang="fr-FR" dirty="0"/>
-              <a:t>Accès non sécurisé </a:t>
-            </a:r>
-          </a:p>
-          <a:p>
-            <a:r>
-              <a:rPr lang="fr-FR" dirty="0"/>
-              <a:t>Difficultés pour la mise en place d’un planning visuel </a:t>
-            </a:r>
-          </a:p>
-          <a:p>
-            <a:pPr lvl="2"/>
+              <a:t>authenfication</a:t>
+            </a:r>
+            <a:r>
+              <a:rPr lang="fr-FR" dirty="0"/>
+              <a:t> </a:t>
+            </a:r>
+          </a:p>
+          <a:p>
+            <a:pPr marL="0" indent="0">
+              <a:buNone/>
+            </a:pPr>
             <a:endParaRPr lang="fr-FR" dirty="0"/>
+          </a:p>
+          <a:p>
+            <a:r>
+              <a:rPr lang="fr-FR" dirty="0"/>
+              <a:t>Gestion du planning de formation </a:t>
+            </a:r>
+          </a:p>
+          <a:p>
+            <a:pPr marL="0" indent="0">
+              <a:buNone/>
+            </a:pPr>
+            <a:endParaRPr lang="fr-FR" dirty="0"/>
+          </a:p>
+          <a:p>
+            <a:r>
+              <a:rPr lang="fr-FR" dirty="0"/>
+              <a:t>Conversion du planning en PDF </a:t>
+            </a:r>
           </a:p>
         </p:txBody>
       </p:sp>
     </p:spTree>
     <p:extLst>
       <p:ext uri="{BB962C8B-B14F-4D97-AF65-F5344CB8AC3E}">
-        <p14:creationId xmlns:p14="http://schemas.microsoft.com/office/powerpoint/2010/main" val="630175808"/>
+        <p14:creationId xmlns:p14="http://schemas.microsoft.com/office/powerpoint/2010/main" val="188428575"/>
       </p:ext>
     </p:extLst>
   </p:cSld>
@@ -8828,128 +8901,10 @@
       </p:grpSpPr>
       <p:sp>
         <p:nvSpPr>
-          <p:cNvPr id="2" name="Titre 1">
-            <a:extLst>
-              <a:ext uri="{FF2B5EF4-FFF2-40B4-BE49-F238E27FC236}">
-                <a16:creationId xmlns:a16="http://schemas.microsoft.com/office/drawing/2014/main" xmlns="" id="{16B3709F-FBDE-42AA-9C23-C813B88702E1}"/>
-              </a:ext>
-            </a:extLst>
-          </p:cNvPr>
-          <p:cNvSpPr>
-            <a:spLocks noGrp="1"/>
-          </p:cNvSpPr>
-          <p:nvPr>
-            <p:ph type="title"/>
-          </p:nvPr>
-        </p:nvSpPr>
-        <p:spPr/>
-        <p:txBody>
-          <a:bodyPr/>
-          <a:lstStyle/>
-          <a:p>
-            <a:r>
-              <a:rPr lang="fr-FR" dirty="0"/>
-              <a:t>Perspectives </a:t>
-            </a:r>
-          </a:p>
-        </p:txBody>
-      </p:sp>
-      <p:sp>
-        <p:nvSpPr>
           <p:cNvPr id="3" name="Espace réservé du contenu 2">
             <a:extLst>
               <a:ext uri="{FF2B5EF4-FFF2-40B4-BE49-F238E27FC236}">
-                <a16:creationId xmlns:a16="http://schemas.microsoft.com/office/drawing/2014/main" xmlns="" id="{5E3D3DF2-C56C-4868-9CFC-9B16C8A13459}"/>
-              </a:ext>
-            </a:extLst>
-          </p:cNvPr>
-          <p:cNvSpPr>
-            <a:spLocks noGrp="1"/>
-          </p:cNvSpPr>
-          <p:nvPr>
-            <p:ph idx="1"/>
-          </p:nvPr>
-        </p:nvSpPr>
-        <p:spPr/>
-        <p:txBody>
-          <a:bodyPr/>
-          <a:lstStyle/>
-          <a:p>
-            <a:r>
-              <a:rPr lang="fr-FR" dirty="0"/>
-              <a:t>Création du système d’</a:t>
-            </a:r>
-            <a:r>
-              <a:rPr lang="fr-FR" dirty="0" err="1"/>
-              <a:t>authenfication</a:t>
-            </a:r>
-            <a:r>
-              <a:rPr lang="fr-FR" dirty="0"/>
-              <a:t> </a:t>
-            </a:r>
-          </a:p>
-          <a:p>
-            <a:pPr marL="0" indent="0">
-              <a:buNone/>
-            </a:pPr>
-            <a:endParaRPr lang="fr-FR" dirty="0"/>
-          </a:p>
-          <a:p>
-            <a:r>
-              <a:rPr lang="fr-FR" dirty="0"/>
-              <a:t>Gestion du planning de formation </a:t>
-            </a:r>
-          </a:p>
-          <a:p>
-            <a:pPr marL="0" indent="0">
-              <a:buNone/>
-            </a:pPr>
-            <a:endParaRPr lang="fr-FR" dirty="0"/>
-          </a:p>
-          <a:p>
-            <a:r>
-              <a:rPr lang="fr-FR" dirty="0"/>
-              <a:t>Conversion du planning en PDF </a:t>
-            </a:r>
-          </a:p>
-        </p:txBody>
-      </p:sp>
-    </p:spTree>
-    <p:extLst>
-      <p:ext uri="{BB962C8B-B14F-4D97-AF65-F5344CB8AC3E}">
-        <p14:creationId xmlns:p14="http://schemas.microsoft.com/office/powerpoint/2010/main" val="188428575"/>
-      </p:ext>
-    </p:extLst>
-  </p:cSld>
-  <p:clrMapOvr>
-    <a:masterClrMapping/>
-  </p:clrMapOvr>
-</p:sld>
-</file>
-
-<file path=ppt/slides/slide16.xml><?xml version="1.0" encoding="utf-8"?>
-<p:sld xmlns:a="http://schemas.openxmlformats.org/drawingml/2006/main" xmlns:r="http://schemas.openxmlformats.org/officeDocument/2006/relationships" xmlns:p="http://schemas.openxmlformats.org/presentationml/2006/main">
-  <p:cSld>
-    <p:spTree>
-      <p:nvGrpSpPr>
-        <p:cNvPr id="1" name=""/>
-        <p:cNvGrpSpPr/>
-        <p:nvPr/>
-      </p:nvGrpSpPr>
-      <p:grpSpPr>
-        <a:xfrm>
-          <a:off x="0" y="0"/>
-          <a:ext cx="0" cy="0"/>
-          <a:chOff x="0" y="0"/>
-          <a:chExt cx="0" cy="0"/>
-        </a:xfrm>
-      </p:grpSpPr>
-      <p:sp>
-        <p:nvSpPr>
-          <p:cNvPr id="3" name="Espace réservé du contenu 2">
-            <a:extLst>
-              <a:ext uri="{FF2B5EF4-FFF2-40B4-BE49-F238E27FC236}">
-                <a16:creationId xmlns:a16="http://schemas.microsoft.com/office/drawing/2014/main" xmlns="" id="{C45A8DFE-CF96-48A5-9D7E-073BBC62CCF9}"/>
+                <a16:creationId xmlns="" xmlns:a16="http://schemas.microsoft.com/office/drawing/2014/main" id="{C45A8DFE-CF96-48A5-9D7E-073BBC62CCF9}"/>
               </a:ext>
             </a:extLst>
           </p:cNvPr>
@@ -9017,7 +8972,7 @@
           <p:cNvPr id="2" name="Titre 1">
             <a:extLst>
               <a:ext uri="{FF2B5EF4-FFF2-40B4-BE49-F238E27FC236}">
-                <a16:creationId xmlns:a16="http://schemas.microsoft.com/office/drawing/2014/main" xmlns="" id="{9515E319-373C-475B-AE13-3745F8E6879A}"/>
+                <a16:creationId xmlns="" xmlns:a16="http://schemas.microsoft.com/office/drawing/2014/main" id="{9515E319-373C-475B-AE13-3745F8E6879A}"/>
               </a:ext>
             </a:extLst>
           </p:cNvPr>
@@ -9045,7 +9000,7 @@
           <p:cNvPr id="3" name="Espace réservé du contenu 2">
             <a:extLst>
               <a:ext uri="{FF2B5EF4-FFF2-40B4-BE49-F238E27FC236}">
-                <a16:creationId xmlns:a16="http://schemas.microsoft.com/office/drawing/2014/main" xmlns="" id="{F28A2537-7C03-421F-B15A-C5EDAD7403A0}"/>
+                <a16:creationId xmlns="" xmlns:a16="http://schemas.microsoft.com/office/drawing/2014/main" id="{F28A2537-7C03-421F-B15A-C5EDAD7403A0}"/>
               </a:ext>
             </a:extLst>
           </p:cNvPr>
@@ -9183,7 +9138,7 @@
           <p:cNvPr id="2" name="Titre 1">
             <a:extLst>
               <a:ext uri="{FF2B5EF4-FFF2-40B4-BE49-F238E27FC236}">
-                <a16:creationId xmlns:a16="http://schemas.microsoft.com/office/drawing/2014/main" xmlns="" id="{F9441E13-CEE3-4371-8084-C8CCA2A693CE}"/>
+                <a16:creationId xmlns="" xmlns:a16="http://schemas.microsoft.com/office/drawing/2014/main" id="{F9441E13-CEE3-4371-8084-C8CCA2A693CE}"/>
               </a:ext>
             </a:extLst>
           </p:cNvPr>
@@ -9218,7 +9173,7 @@
           <p:cNvPr id="3" name="Espace réservé du contenu 2">
             <a:extLst>
               <a:ext uri="{FF2B5EF4-FFF2-40B4-BE49-F238E27FC236}">
-                <a16:creationId xmlns:a16="http://schemas.microsoft.com/office/drawing/2014/main" xmlns="" id="{F704A0A9-FA16-4CD7-AB3F-0CDD674A7B13}"/>
+                <a16:creationId xmlns="" xmlns:a16="http://schemas.microsoft.com/office/drawing/2014/main" id="{F704A0A9-FA16-4CD7-AB3F-0CDD674A7B13}"/>
               </a:ext>
             </a:extLst>
           </p:cNvPr>
@@ -9305,7 +9260,7 @@
           <p:cNvPr id="4" name="Flèche : courbe vers la gauche 3">
             <a:extLst>
               <a:ext uri="{FF2B5EF4-FFF2-40B4-BE49-F238E27FC236}">
-                <a16:creationId xmlns:a16="http://schemas.microsoft.com/office/drawing/2014/main" xmlns="" id="{DBF94E89-C63F-4C3E-B67F-EABECE887043}"/>
+                <a16:creationId xmlns="" xmlns:a16="http://schemas.microsoft.com/office/drawing/2014/main" id="{DBF94E89-C63F-4C3E-B67F-EABECE887043}"/>
               </a:ext>
             </a:extLst>
           </p:cNvPr>
@@ -9385,7 +9340,7 @@
           <p:cNvPr id="2" name="Titre 1">
             <a:extLst>
               <a:ext uri="{FF2B5EF4-FFF2-40B4-BE49-F238E27FC236}">
-                <a16:creationId xmlns:a16="http://schemas.microsoft.com/office/drawing/2014/main" xmlns="" id="{2DC0D81E-B9B4-4ED0-AC6A-2528F6729AAD}"/>
+                <a16:creationId xmlns="" xmlns:a16="http://schemas.microsoft.com/office/drawing/2014/main" id="{2DC0D81E-B9B4-4ED0-AC6A-2528F6729AAD}"/>
               </a:ext>
             </a:extLst>
           </p:cNvPr>
@@ -9420,7 +9375,7 @@
           <p:cNvPr id="3" name="Espace réservé du contenu 2">
             <a:extLst>
               <a:ext uri="{FF2B5EF4-FFF2-40B4-BE49-F238E27FC236}">
-                <a16:creationId xmlns:a16="http://schemas.microsoft.com/office/drawing/2014/main" xmlns="" id="{CAA9697C-04C5-4640-8B47-3BC10142B807}"/>
+                <a16:creationId xmlns="" xmlns:a16="http://schemas.microsoft.com/office/drawing/2014/main" id="{CAA9697C-04C5-4640-8B47-3BC10142B807}"/>
               </a:ext>
             </a:extLst>
           </p:cNvPr>
@@ -9554,7 +9509,7 @@
           <p:cNvPr id="2" name="Titre 1">
             <a:extLst>
               <a:ext uri="{FF2B5EF4-FFF2-40B4-BE49-F238E27FC236}">
-                <a16:creationId xmlns:a16="http://schemas.microsoft.com/office/drawing/2014/main" xmlns="" id="{512CC707-4647-4CB8-B911-6A90FB4AD937}"/>
+                <a16:creationId xmlns="" xmlns:a16="http://schemas.microsoft.com/office/drawing/2014/main" id="{512CC707-4647-4CB8-B911-6A90FB4AD937}"/>
               </a:ext>
             </a:extLst>
           </p:cNvPr>
@@ -9602,7 +9557,7 @@
           <p:cNvPr id="3" name="Espace réservé du contenu 2">
             <a:extLst>
               <a:ext uri="{FF2B5EF4-FFF2-40B4-BE49-F238E27FC236}">
-                <a16:creationId xmlns:a16="http://schemas.microsoft.com/office/drawing/2014/main" xmlns="" id="{E72F21AE-8E73-48D1-987B-6190E8382598}"/>
+                <a16:creationId xmlns="" xmlns:a16="http://schemas.microsoft.com/office/drawing/2014/main" id="{E72F21AE-8E73-48D1-987B-6190E8382598}"/>
               </a:ext>
             </a:extLst>
           </p:cNvPr>
@@ -9702,7 +9657,7 @@
           <p:cNvPr id="2" name="Titre 1">
             <a:extLst>
               <a:ext uri="{FF2B5EF4-FFF2-40B4-BE49-F238E27FC236}">
-                <a16:creationId xmlns:a16="http://schemas.microsoft.com/office/drawing/2014/main" xmlns="" id="{44BBB705-BF6F-4FF4-A44C-8A030495D815}"/>
+                <a16:creationId xmlns="" xmlns:a16="http://schemas.microsoft.com/office/drawing/2014/main" id="{44BBB705-BF6F-4FF4-A44C-8A030495D815}"/>
               </a:ext>
             </a:extLst>
           </p:cNvPr>
@@ -9737,7 +9692,7 @@
           <p:cNvPr id="3" name="Espace réservé du contenu 2">
             <a:extLst>
               <a:ext uri="{FF2B5EF4-FFF2-40B4-BE49-F238E27FC236}">
-                <a16:creationId xmlns:a16="http://schemas.microsoft.com/office/drawing/2014/main" xmlns="" id="{59F03384-E0AA-4525-AC34-2764C6ECFEDA}"/>
+                <a16:creationId xmlns="" xmlns:a16="http://schemas.microsoft.com/office/drawing/2014/main" id="{59F03384-E0AA-4525-AC34-2764C6ECFEDA}"/>
               </a:ext>
             </a:extLst>
           </p:cNvPr>
@@ -9881,7 +9836,7 @@
           <p:cNvPr id="2" name="Titre 1">
             <a:extLst>
               <a:ext uri="{FF2B5EF4-FFF2-40B4-BE49-F238E27FC236}">
-                <a16:creationId xmlns:a16="http://schemas.microsoft.com/office/drawing/2014/main" xmlns="" id="{22DD26D8-472D-4FA3-8110-E67932AC91FD}"/>
+                <a16:creationId xmlns="" xmlns:a16="http://schemas.microsoft.com/office/drawing/2014/main" id="{22DD26D8-472D-4FA3-8110-E67932AC91FD}"/>
               </a:ext>
             </a:extLst>
           </p:cNvPr>
@@ -9929,7 +9884,7 @@
           <p:cNvPr id="3" name="Espace réservé du contenu 2">
             <a:extLst>
               <a:ext uri="{FF2B5EF4-FFF2-40B4-BE49-F238E27FC236}">
-                <a16:creationId xmlns:a16="http://schemas.microsoft.com/office/drawing/2014/main" xmlns="" id="{B66E4383-1A2E-40DC-A2C2-EA8D245C8A1B}"/>
+                <a16:creationId xmlns="" xmlns:a16="http://schemas.microsoft.com/office/drawing/2014/main" id="{B66E4383-1A2E-40DC-A2C2-EA8D245C8A1B}"/>
               </a:ext>
             </a:extLst>
           </p:cNvPr>
@@ -10076,7 +10031,7 @@
           <p:cNvPr id="2" name="Titre 1">
             <a:extLst>
               <a:ext uri="{FF2B5EF4-FFF2-40B4-BE49-F238E27FC236}">
-                <a16:creationId xmlns:a16="http://schemas.microsoft.com/office/drawing/2014/main" xmlns="" id="{E0C1F39D-04FA-4E81-832A-565C78E64EE0}"/>
+                <a16:creationId xmlns="" xmlns:a16="http://schemas.microsoft.com/office/drawing/2014/main" id="{E0C1F39D-04FA-4E81-832A-565C78E64EE0}"/>
               </a:ext>
             </a:extLst>
           </p:cNvPr>
@@ -10108,11 +10063,13 @@
       </p:sp>
       <p:pic>
         <p:nvPicPr>
-          <p:cNvPr id="6" name="Image 5"/>
+          <p:cNvPr id="4" name="Espace réservé du contenu 3"/>
           <p:cNvPicPr>
-            <a:picLocks noChangeAspect="1"/>
+            <a:picLocks noGrp="1" noChangeAspect="1"/>
           </p:cNvPicPr>
-          <p:nvPr/>
+          <p:nvPr>
+            <p:ph idx="1"/>
+          </p:nvPr>
         </p:nvPicPr>
         <p:blipFill>
           <a:blip r:embed="rId2">
@@ -10128,12 +10085,9 @@
         </p:blipFill>
         <p:spPr>
           <a:xfrm>
-            <a:off x="2404408" y="2083443"/>
-            <a:ext cx="7383185" cy="4883414"/>
-          </a:xfrm>
-          <a:prstGeom prst="rect">
-            <a:avLst/>
-          </a:prstGeom>
+            <a:off x="2504952" y="2107589"/>
+            <a:ext cx="7182097" cy="4750411"/>
+          </a:xfrm>
         </p:spPr>
       </p:pic>
     </p:spTree>
@@ -10152,14 +10106,6 @@
 <file path=ppt/slides/slide9.xml><?xml version="1.0" encoding="utf-8"?>
 <p:sld xmlns:a="http://schemas.openxmlformats.org/drawingml/2006/main" xmlns:r="http://schemas.openxmlformats.org/officeDocument/2006/relationships" xmlns:p="http://schemas.openxmlformats.org/presentationml/2006/main">
   <p:cSld>
-    <p:bg>
-      <p:bgPr>
-        <a:solidFill>
-          <a:schemeClr val="accent2"/>
-        </a:solidFill>
-        <a:effectLst/>
-      </p:bgPr>
-    </p:bg>
     <p:spTree>
       <p:nvGrpSpPr>
         <p:cNvPr id="1" name=""/>
@@ -10176,13 +10122,7 @@
       </p:grpSpPr>
       <p:sp>
         <p:nvSpPr>
-          <p:cNvPr id="2" name="Titre 1">
-            <a:extLst>
-              <a:ext uri="{FF2B5EF4-FFF2-40B4-BE49-F238E27FC236}">
-                <a16:creationId xmlns:a16="http://schemas.microsoft.com/office/drawing/2014/main" xmlns="" id="{143C863E-019F-43CB-B518-3FF8084ABF3B}"/>
-              </a:ext>
-            </a:extLst>
-          </p:cNvPr>
+          <p:cNvPr id="2" name="Titre 1"/>
           <p:cNvSpPr>
             <a:spLocks noGrp="1"/>
           </p:cNvSpPr>
@@ -10190,16 +10130,9 @@
             <p:ph type="title"/>
           </p:nvPr>
         </p:nvSpPr>
-        <p:spPr>
-          <a:xfrm>
-            <a:off x="326409" y="959968"/>
-            <a:ext cx="10515600" cy="1056517"/>
-          </a:xfrm>
-        </p:spPr>
-        <p:txBody>
-          <a:bodyPr>
-            <a:normAutofit fontScale="90000"/>
-          </a:bodyPr>
+        <p:spPr/>
+        <p:txBody>
+          <a:bodyPr/>
           <a:lstStyle/>
           <a:p>
             <a:r>
@@ -10211,18 +10144,14 @@
             </a:br>
             <a:r>
               <a:rPr lang="fr-FR" dirty="0"/>
-              <a:t>Stratégie globale </a:t>
-            </a:r>
-            <a:br>
-              <a:rPr lang="fr-FR" dirty="0"/>
-            </a:br>
-            <a:endParaRPr lang="fr-FR" dirty="0"/>
+              <a:t>Stratégie globale</a:t>
+            </a:r>
           </a:p>
         </p:txBody>
       </p:sp>
       <p:pic>
         <p:nvPicPr>
-          <p:cNvPr id="7" name="Espace réservé du contenu 6"/>
+          <p:cNvPr id="4" name="Espace réservé du contenu 3"/>
           <p:cNvPicPr>
             <a:picLocks noGrp="1" noChangeAspect="1"/>
           </p:cNvPicPr>
@@ -10244,15 +10173,15 @@
         </p:blipFill>
         <p:spPr>
           <a:xfrm>
-            <a:off x="2378734" y="2016485"/>
-            <a:ext cx="6611898" cy="4678230"/>
+            <a:off x="2411391" y="2024742"/>
+            <a:ext cx="6681556" cy="4727517"/>
           </a:xfrm>
         </p:spPr>
       </p:pic>
     </p:spTree>
     <p:extLst>
       <p:ext uri="{BB962C8B-B14F-4D97-AF65-F5344CB8AC3E}">
-        <p14:creationId xmlns:p14="http://schemas.microsoft.com/office/powerpoint/2010/main" val="2425077785"/>
+        <p14:creationId xmlns:p14="http://schemas.microsoft.com/office/powerpoint/2010/main" val="3955682159"/>
       </p:ext>
     </p:extLst>
   </p:cSld>

--- a/Projet final.pptx
+++ b/Projet final.pptx
@@ -10,9 +10,9 @@
     <p:sldId id="258" r:id="rId4"/>
     <p:sldId id="259" r:id="rId5"/>
     <p:sldId id="260" r:id="rId6"/>
-    <p:sldId id="261" r:id="rId7"/>
-    <p:sldId id="262" r:id="rId8"/>
-    <p:sldId id="263" r:id="rId9"/>
+    <p:sldId id="263" r:id="rId7"/>
+    <p:sldId id="261" r:id="rId8"/>
+    <p:sldId id="262" r:id="rId9"/>
     <p:sldId id="272" r:id="rId10"/>
     <p:sldId id="265" r:id="rId11"/>
     <p:sldId id="266" r:id="rId12"/>
@@ -7770,7 +7770,7 @@
           <p:cNvPr id="2" name="Titre 1">
             <a:extLst>
               <a:ext uri="{FF2B5EF4-FFF2-40B4-BE49-F238E27FC236}">
-                <a16:creationId xmlns="" xmlns:a16="http://schemas.microsoft.com/office/drawing/2014/main" id="{35F66955-3072-4076-AAE0-910469EE0894}"/>
+                <a16:creationId xmlns:a16="http://schemas.microsoft.com/office/drawing/2014/main" xmlns="" id="{35F66955-3072-4076-AAE0-910469EE0894}"/>
               </a:ext>
             </a:extLst>
           </p:cNvPr>
@@ -7809,7 +7809,7 @@
           <p:cNvPr id="3" name="Sous-titre 2">
             <a:extLst>
               <a:ext uri="{FF2B5EF4-FFF2-40B4-BE49-F238E27FC236}">
-                <a16:creationId xmlns="" xmlns:a16="http://schemas.microsoft.com/office/drawing/2014/main" id="{82D42387-76EF-454D-990C-0AD76E9A3BAC}"/>
+                <a16:creationId xmlns:a16="http://schemas.microsoft.com/office/drawing/2014/main" xmlns="" id="{82D42387-76EF-454D-990C-0AD76E9A3BAC}"/>
               </a:ext>
             </a:extLst>
           </p:cNvPr>
@@ -7842,7 +7842,7 @@
           <p:cNvPr id="5" name="Sous-titre 2">
             <a:extLst>
               <a:ext uri="{FF2B5EF4-FFF2-40B4-BE49-F238E27FC236}">
-                <a16:creationId xmlns="" xmlns:a16="http://schemas.microsoft.com/office/drawing/2014/main" id="{57C0654A-59AA-4B68-9D5A-6C415E8EC91D}"/>
+                <a16:creationId xmlns:a16="http://schemas.microsoft.com/office/drawing/2014/main" xmlns="" id="{57C0654A-59AA-4B68-9D5A-6C415E8EC91D}"/>
               </a:ext>
             </a:extLst>
           </p:cNvPr>
@@ -8118,7 +8118,7 @@
           <p:cNvPr id="2" name="Titre 1">
             <a:extLst>
               <a:ext uri="{FF2B5EF4-FFF2-40B4-BE49-F238E27FC236}">
-                <a16:creationId xmlns="" xmlns:a16="http://schemas.microsoft.com/office/drawing/2014/main" id="{380C8E54-3508-43B3-9676-2A3B332EE20C}"/>
+                <a16:creationId xmlns:a16="http://schemas.microsoft.com/office/drawing/2014/main" xmlns="" id="{380C8E54-3508-43B3-9676-2A3B332EE20C}"/>
               </a:ext>
             </a:extLst>
           </p:cNvPr>
@@ -8154,7 +8154,7 @@
           <p:cNvPr id="3" name="Espace réservé du contenu 2">
             <a:extLst>
               <a:ext uri="{FF2B5EF4-FFF2-40B4-BE49-F238E27FC236}">
-                <a16:creationId xmlns="" xmlns:a16="http://schemas.microsoft.com/office/drawing/2014/main" id="{448F44E6-9AA5-4A56-AE99-E68B9F62D0BC}"/>
+                <a16:creationId xmlns:a16="http://schemas.microsoft.com/office/drawing/2014/main" xmlns="" id="{448F44E6-9AA5-4A56-AE99-E68B9F62D0BC}"/>
               </a:ext>
             </a:extLst>
           </p:cNvPr>
@@ -8246,11 +8246,7 @@
             </a:r>
             <a:r>
               <a:rPr lang="fr-FR" dirty="0" smtClean="0"/>
-              <a:t> 4</a:t>
-            </a:r>
-            <a:r>
-              <a:rPr lang="fr-FR" dirty="0" smtClean="0"/>
-              <a:t>+</a:t>
+              <a:t> 4+</a:t>
             </a:r>
           </a:p>
           <a:p>
@@ -8308,7 +8304,7 @@
           <p:cNvPr id="2" name="Titre 1">
             <a:extLst>
               <a:ext uri="{FF2B5EF4-FFF2-40B4-BE49-F238E27FC236}">
-                <a16:creationId xmlns="" xmlns:a16="http://schemas.microsoft.com/office/drawing/2014/main" id="{380C8E54-3508-43B3-9676-2A3B332EE20C}"/>
+                <a16:creationId xmlns:a16="http://schemas.microsoft.com/office/drawing/2014/main" xmlns="" id="{380C8E54-3508-43B3-9676-2A3B332EE20C}"/>
               </a:ext>
             </a:extLst>
           </p:cNvPr>
@@ -8344,7 +8340,7 @@
           <p:cNvPr id="3" name="Espace réservé du contenu 2">
             <a:extLst>
               <a:ext uri="{FF2B5EF4-FFF2-40B4-BE49-F238E27FC236}">
-                <a16:creationId xmlns="" xmlns:a16="http://schemas.microsoft.com/office/drawing/2014/main" id="{448F44E6-9AA5-4A56-AE99-E68B9F62D0BC}"/>
+                <a16:creationId xmlns:a16="http://schemas.microsoft.com/office/drawing/2014/main" xmlns="" id="{448F44E6-9AA5-4A56-AE99-E68B9F62D0BC}"/>
               </a:ext>
             </a:extLst>
           </p:cNvPr>
@@ -8427,7 +8423,7 @@
           <p:cNvPr id="2" name="Titre 1">
             <a:extLst>
               <a:ext uri="{FF2B5EF4-FFF2-40B4-BE49-F238E27FC236}">
-                <a16:creationId xmlns="" xmlns:a16="http://schemas.microsoft.com/office/drawing/2014/main" id="{380C8E54-3508-43B3-9676-2A3B332EE20C}"/>
+                <a16:creationId xmlns:a16="http://schemas.microsoft.com/office/drawing/2014/main" xmlns="" id="{380C8E54-3508-43B3-9676-2A3B332EE20C}"/>
               </a:ext>
             </a:extLst>
           </p:cNvPr>
@@ -8471,7 +8467,7 @@
           <p:cNvPr id="3" name="Espace réservé du contenu 2">
             <a:extLst>
               <a:ext uri="{FF2B5EF4-FFF2-40B4-BE49-F238E27FC236}">
-                <a16:creationId xmlns="" xmlns:a16="http://schemas.microsoft.com/office/drawing/2014/main" id="{448F44E6-9AA5-4A56-AE99-E68B9F62D0BC}"/>
+                <a16:creationId xmlns:a16="http://schemas.microsoft.com/office/drawing/2014/main" xmlns="" id="{448F44E6-9AA5-4A56-AE99-E68B9F62D0BC}"/>
               </a:ext>
             </a:extLst>
           </p:cNvPr>
@@ -8559,7 +8555,6 @@
               <a:rPr lang="fr-FR" dirty="0" smtClean="0"/>
               <a:t>, form.io)</a:t>
             </a:r>
-            <a:endParaRPr lang="fr-FR" dirty="0" smtClean="0"/>
           </a:p>
           <a:p>
             <a:pPr lvl="1">
@@ -8607,7 +8602,6 @@
               <a:rPr lang="fr-FR" dirty="0" smtClean="0"/>
               <a:t>Authentification </a:t>
             </a:r>
-            <a:endParaRPr lang="fr-FR" dirty="0" smtClean="0"/>
           </a:p>
           <a:p>
             <a:endParaRPr lang="fr-FR" dirty="0"/>
@@ -8649,7 +8643,7 @@
           <p:cNvPr id="2" name="Titre 1">
             <a:extLst>
               <a:ext uri="{FF2B5EF4-FFF2-40B4-BE49-F238E27FC236}">
-                <a16:creationId xmlns="" xmlns:a16="http://schemas.microsoft.com/office/drawing/2014/main" id="{192AF73E-CA44-41CF-803B-BBD400D3200A}"/>
+                <a16:creationId xmlns:a16="http://schemas.microsoft.com/office/drawing/2014/main" xmlns="" id="{192AF73E-CA44-41CF-803B-BBD400D3200A}"/>
               </a:ext>
             </a:extLst>
           </p:cNvPr>
@@ -8677,7 +8671,7 @@
           <p:cNvPr id="3" name="Espace réservé du contenu 2">
             <a:extLst>
               <a:ext uri="{FF2B5EF4-FFF2-40B4-BE49-F238E27FC236}">
-                <a16:creationId xmlns="" xmlns:a16="http://schemas.microsoft.com/office/drawing/2014/main" id="{3A9AB758-24D0-44E2-8E5A-EF1802A0837C}"/>
+                <a16:creationId xmlns:a16="http://schemas.microsoft.com/office/drawing/2014/main" xmlns="" id="{3A9AB758-24D0-44E2-8E5A-EF1802A0837C}"/>
               </a:ext>
             </a:extLst>
           </p:cNvPr>
@@ -8786,7 +8780,7 @@
           <p:cNvPr id="2" name="Titre 1">
             <a:extLst>
               <a:ext uri="{FF2B5EF4-FFF2-40B4-BE49-F238E27FC236}">
-                <a16:creationId xmlns="" xmlns:a16="http://schemas.microsoft.com/office/drawing/2014/main" id="{16B3709F-FBDE-42AA-9C23-C813B88702E1}"/>
+                <a16:creationId xmlns:a16="http://schemas.microsoft.com/office/drawing/2014/main" xmlns="" id="{16B3709F-FBDE-42AA-9C23-C813B88702E1}"/>
               </a:ext>
             </a:extLst>
           </p:cNvPr>
@@ -8814,7 +8808,7 @@
           <p:cNvPr id="3" name="Espace réservé du contenu 2">
             <a:extLst>
               <a:ext uri="{FF2B5EF4-FFF2-40B4-BE49-F238E27FC236}">
-                <a16:creationId xmlns="" xmlns:a16="http://schemas.microsoft.com/office/drawing/2014/main" id="{5E3D3DF2-C56C-4868-9CFC-9B16C8A13459}"/>
+                <a16:creationId xmlns:a16="http://schemas.microsoft.com/office/drawing/2014/main" xmlns="" id="{5E3D3DF2-C56C-4868-9CFC-9B16C8A13459}"/>
               </a:ext>
             </a:extLst>
           </p:cNvPr>
@@ -8904,7 +8898,7 @@
           <p:cNvPr id="3" name="Espace réservé du contenu 2">
             <a:extLst>
               <a:ext uri="{FF2B5EF4-FFF2-40B4-BE49-F238E27FC236}">
-                <a16:creationId xmlns="" xmlns:a16="http://schemas.microsoft.com/office/drawing/2014/main" id="{C45A8DFE-CF96-48A5-9D7E-073BBC62CCF9}"/>
+                <a16:creationId xmlns:a16="http://schemas.microsoft.com/office/drawing/2014/main" xmlns="" id="{C45A8DFE-CF96-48A5-9D7E-073BBC62CCF9}"/>
               </a:ext>
             </a:extLst>
           </p:cNvPr>
@@ -8972,7 +8966,7 @@
           <p:cNvPr id="2" name="Titre 1">
             <a:extLst>
               <a:ext uri="{FF2B5EF4-FFF2-40B4-BE49-F238E27FC236}">
-                <a16:creationId xmlns="" xmlns:a16="http://schemas.microsoft.com/office/drawing/2014/main" id="{9515E319-373C-475B-AE13-3745F8E6879A}"/>
+                <a16:creationId xmlns:a16="http://schemas.microsoft.com/office/drawing/2014/main" xmlns="" id="{9515E319-373C-475B-AE13-3745F8E6879A}"/>
               </a:ext>
             </a:extLst>
           </p:cNvPr>
@@ -9000,7 +8994,7 @@
           <p:cNvPr id="3" name="Espace réservé du contenu 2">
             <a:extLst>
               <a:ext uri="{FF2B5EF4-FFF2-40B4-BE49-F238E27FC236}">
-                <a16:creationId xmlns="" xmlns:a16="http://schemas.microsoft.com/office/drawing/2014/main" id="{F28A2537-7C03-421F-B15A-C5EDAD7403A0}"/>
+                <a16:creationId xmlns:a16="http://schemas.microsoft.com/office/drawing/2014/main" xmlns="" id="{F28A2537-7C03-421F-B15A-C5EDAD7403A0}"/>
               </a:ext>
             </a:extLst>
           </p:cNvPr>
@@ -9138,7 +9132,7 @@
           <p:cNvPr id="2" name="Titre 1">
             <a:extLst>
               <a:ext uri="{FF2B5EF4-FFF2-40B4-BE49-F238E27FC236}">
-                <a16:creationId xmlns="" xmlns:a16="http://schemas.microsoft.com/office/drawing/2014/main" id="{F9441E13-CEE3-4371-8084-C8CCA2A693CE}"/>
+                <a16:creationId xmlns:a16="http://schemas.microsoft.com/office/drawing/2014/main" xmlns="" id="{F9441E13-CEE3-4371-8084-C8CCA2A693CE}"/>
               </a:ext>
             </a:extLst>
           </p:cNvPr>
@@ -9173,7 +9167,7 @@
           <p:cNvPr id="3" name="Espace réservé du contenu 2">
             <a:extLst>
               <a:ext uri="{FF2B5EF4-FFF2-40B4-BE49-F238E27FC236}">
-                <a16:creationId xmlns="" xmlns:a16="http://schemas.microsoft.com/office/drawing/2014/main" id="{F704A0A9-FA16-4CD7-AB3F-0CDD674A7B13}"/>
+                <a16:creationId xmlns:a16="http://schemas.microsoft.com/office/drawing/2014/main" xmlns="" id="{F704A0A9-FA16-4CD7-AB3F-0CDD674A7B13}"/>
               </a:ext>
             </a:extLst>
           </p:cNvPr>
@@ -9260,7 +9254,7 @@
           <p:cNvPr id="4" name="Flèche : courbe vers la gauche 3">
             <a:extLst>
               <a:ext uri="{FF2B5EF4-FFF2-40B4-BE49-F238E27FC236}">
-                <a16:creationId xmlns="" xmlns:a16="http://schemas.microsoft.com/office/drawing/2014/main" id="{DBF94E89-C63F-4C3E-B67F-EABECE887043}"/>
+                <a16:creationId xmlns:a16="http://schemas.microsoft.com/office/drawing/2014/main" xmlns="" id="{DBF94E89-C63F-4C3E-B67F-EABECE887043}"/>
               </a:ext>
             </a:extLst>
           </p:cNvPr>
@@ -9340,7 +9334,7 @@
           <p:cNvPr id="2" name="Titre 1">
             <a:extLst>
               <a:ext uri="{FF2B5EF4-FFF2-40B4-BE49-F238E27FC236}">
-                <a16:creationId xmlns="" xmlns:a16="http://schemas.microsoft.com/office/drawing/2014/main" id="{2DC0D81E-B9B4-4ED0-AC6A-2528F6729AAD}"/>
+                <a16:creationId xmlns:a16="http://schemas.microsoft.com/office/drawing/2014/main" xmlns="" id="{2DC0D81E-B9B4-4ED0-AC6A-2528F6729AAD}"/>
               </a:ext>
             </a:extLst>
           </p:cNvPr>
@@ -9375,7 +9369,7 @@
           <p:cNvPr id="3" name="Espace réservé du contenu 2">
             <a:extLst>
               <a:ext uri="{FF2B5EF4-FFF2-40B4-BE49-F238E27FC236}">
-                <a16:creationId xmlns="" xmlns:a16="http://schemas.microsoft.com/office/drawing/2014/main" id="{CAA9697C-04C5-4640-8B47-3BC10142B807}"/>
+                <a16:creationId xmlns:a16="http://schemas.microsoft.com/office/drawing/2014/main" xmlns="" id="{CAA9697C-04C5-4640-8B47-3BC10142B807}"/>
               </a:ext>
             </a:extLst>
           </p:cNvPr>
@@ -9509,7 +9503,7 @@
           <p:cNvPr id="2" name="Titre 1">
             <a:extLst>
               <a:ext uri="{FF2B5EF4-FFF2-40B4-BE49-F238E27FC236}">
-                <a16:creationId xmlns="" xmlns:a16="http://schemas.microsoft.com/office/drawing/2014/main" id="{512CC707-4647-4CB8-B911-6A90FB4AD937}"/>
+                <a16:creationId xmlns:a16="http://schemas.microsoft.com/office/drawing/2014/main" xmlns="" id="{512CC707-4647-4CB8-B911-6A90FB4AD937}"/>
               </a:ext>
             </a:extLst>
           </p:cNvPr>
@@ -9557,7 +9551,7 @@
           <p:cNvPr id="3" name="Espace réservé du contenu 2">
             <a:extLst>
               <a:ext uri="{FF2B5EF4-FFF2-40B4-BE49-F238E27FC236}">
-                <a16:creationId xmlns="" xmlns:a16="http://schemas.microsoft.com/office/drawing/2014/main" id="{E72F21AE-8E73-48D1-987B-6190E8382598}"/>
+                <a16:creationId xmlns:a16="http://schemas.microsoft.com/office/drawing/2014/main" xmlns="" id="{E72F21AE-8E73-48D1-987B-6190E8382598}"/>
               </a:ext>
             </a:extLst>
           </p:cNvPr>
@@ -9657,7 +9651,7 @@
           <p:cNvPr id="2" name="Titre 1">
             <a:extLst>
               <a:ext uri="{FF2B5EF4-FFF2-40B4-BE49-F238E27FC236}">
-                <a16:creationId xmlns="" xmlns:a16="http://schemas.microsoft.com/office/drawing/2014/main" id="{44BBB705-BF6F-4FF4-A44C-8A030495D815}"/>
+                <a16:creationId xmlns:a16="http://schemas.microsoft.com/office/drawing/2014/main" xmlns="" id="{E0C1F39D-04FA-4E81-832A-565C78E64EE0}"/>
               </a:ext>
             </a:extLst>
           </p:cNvPr>
@@ -9682,129 +9676,44 @@
             </a:br>
             <a:r>
               <a:rPr lang="fr-FR" dirty="0"/>
-              <a:t>Analyse fonctionnelle </a:t>
-            </a:r>
-          </a:p>
-        </p:txBody>
-      </p:sp>
-      <p:sp>
-        <p:nvSpPr>
-          <p:cNvPr id="3" name="Espace réservé du contenu 2">
+              <a:t>Analyse fonctionnelle : MPD</a:t>
+            </a:r>
+          </a:p>
+        </p:txBody>
+      </p:sp>
+      <p:pic>
+        <p:nvPicPr>
+          <p:cNvPr id="4" name="Espace réservé du contenu 3"/>
+          <p:cNvPicPr>
+            <a:picLocks noGrp="1" noChangeAspect="1"/>
+          </p:cNvPicPr>
+          <p:nvPr>
+            <p:ph idx="1"/>
+          </p:nvPr>
+        </p:nvPicPr>
+        <p:blipFill>
+          <a:blip r:embed="rId2">
             <a:extLst>
-              <a:ext uri="{FF2B5EF4-FFF2-40B4-BE49-F238E27FC236}">
-                <a16:creationId xmlns="" xmlns:a16="http://schemas.microsoft.com/office/drawing/2014/main" id="{59F03384-E0AA-4525-AC34-2764C6ECFEDA}"/>
+              <a:ext uri="{28A0092B-C50C-407E-A947-70E740481C1C}">
+                <a14:useLocalDpi xmlns:a14="http://schemas.microsoft.com/office/drawing/2010/main" val="0"/>
               </a:ext>
             </a:extLst>
-          </p:cNvPr>
-          <p:cNvSpPr>
-            <a:spLocks noGrp="1"/>
-          </p:cNvSpPr>
-          <p:nvPr>
-            <p:ph idx="1"/>
-          </p:nvPr>
-        </p:nvSpPr>
-        <p:spPr/>
-        <p:txBody>
-          <a:bodyPr>
-            <a:normAutofit fontScale="92500" lnSpcReduction="20000"/>
-          </a:bodyPr>
-          <a:lstStyle/>
-          <a:p>
-            <a:r>
-              <a:rPr lang="fr-FR" dirty="0"/>
-              <a:t>Identification avec un login garantissant certaines fonctionnalités en fonction du profil </a:t>
-            </a:r>
-          </a:p>
-          <a:p>
-            <a:pPr lvl="2"/>
-            <a:r>
-              <a:rPr lang="fr-FR" dirty="0"/>
-              <a:t>Stagiaire </a:t>
-            </a:r>
-          </a:p>
-          <a:p>
-            <a:pPr lvl="4"/>
-            <a:r>
-              <a:rPr lang="fr-FR" dirty="0"/>
-              <a:t>Visualisation du planning </a:t>
-            </a:r>
-          </a:p>
-          <a:p>
-            <a:pPr marL="1828800" lvl="4" indent="0">
-              <a:buNone/>
-            </a:pPr>
-            <a:endParaRPr lang="fr-FR" dirty="0"/>
-          </a:p>
-          <a:p>
-            <a:pPr lvl="2"/>
-            <a:r>
-              <a:rPr lang="fr-FR" dirty="0"/>
-              <a:t>Technicien </a:t>
-            </a:r>
-          </a:p>
-          <a:p>
-            <a:pPr lvl="3"/>
-            <a:r>
-              <a:rPr lang="fr-FR" dirty="0"/>
-              <a:t>Consultation/édition du stock ordinateurs et vidéoprojecteurs</a:t>
-            </a:r>
-          </a:p>
-          <a:p>
-            <a:pPr lvl="3"/>
-            <a:r>
-              <a:rPr lang="fr-FR" dirty="0"/>
-              <a:t>Alerte visuelle si stock trop bas </a:t>
-            </a:r>
-          </a:p>
-          <a:p>
-            <a:pPr lvl="3"/>
-            <a:endParaRPr lang="fr-FR" dirty="0"/>
-          </a:p>
-          <a:p>
-            <a:pPr lvl="2"/>
-            <a:r>
-              <a:rPr lang="fr-FR" dirty="0"/>
-              <a:t>Formateur </a:t>
-            </a:r>
-          </a:p>
-          <a:p>
-            <a:pPr lvl="4"/>
-            <a:r>
-              <a:rPr lang="fr-FR" dirty="0"/>
-              <a:t>Renseignement sur ses compétences et sa disponibilité </a:t>
-            </a:r>
-          </a:p>
-          <a:p>
-            <a:pPr lvl="4"/>
-            <a:r>
-              <a:rPr lang="fr-FR" dirty="0"/>
-              <a:t>Visualisation du planning</a:t>
-            </a:r>
-          </a:p>
-          <a:p>
-            <a:pPr lvl="4"/>
-            <a:r>
-              <a:rPr lang="fr-FR" dirty="0"/>
-              <a:t>Accès a la liste des stagiaires </a:t>
-            </a:r>
-          </a:p>
-          <a:p>
-            <a:pPr lvl="4"/>
-            <a:r>
-              <a:rPr lang="fr-FR" dirty="0"/>
-              <a:t>Accès à la liste des matières</a:t>
-            </a:r>
-          </a:p>
-          <a:p>
-            <a:pPr lvl="3"/>
-            <a:endParaRPr lang="fr-FR" dirty="0"/>
-          </a:p>
-        </p:txBody>
-      </p:sp>
+          </a:blip>
+          <a:stretch>
+            <a:fillRect/>
+          </a:stretch>
+        </p:blipFill>
+        <p:spPr>
+          <a:xfrm>
+            <a:off x="2504952" y="2107589"/>
+            <a:ext cx="7182097" cy="4750411"/>
+          </a:xfrm>
+        </p:spPr>
+      </p:pic>
     </p:spTree>
     <p:extLst>
       <p:ext uri="{BB962C8B-B14F-4D97-AF65-F5344CB8AC3E}">
-        <p14:creationId xmlns:p14="http://schemas.microsoft.com/office/powerpoint/2010/main" val="2813306377"/>
+        <p14:creationId xmlns:p14="http://schemas.microsoft.com/office/powerpoint/2010/main" val="3859705430"/>
       </p:ext>
     </p:extLst>
   </p:cSld>
@@ -9836,7 +9745,7 @@
           <p:cNvPr id="2" name="Titre 1">
             <a:extLst>
               <a:ext uri="{FF2B5EF4-FFF2-40B4-BE49-F238E27FC236}">
-                <a16:creationId xmlns="" xmlns:a16="http://schemas.microsoft.com/office/drawing/2014/main" id="{22DD26D8-472D-4FA3-8110-E67932AC91FD}"/>
+                <a16:creationId xmlns:a16="http://schemas.microsoft.com/office/drawing/2014/main" xmlns="" id="{44BBB705-BF6F-4FF4-A44C-8A030495D815}"/>
               </a:ext>
             </a:extLst>
           </p:cNvPr>
@@ -9849,33 +9758,20 @@
         </p:nvSpPr>
         <p:spPr/>
         <p:txBody>
-          <a:bodyPr>
-            <a:normAutofit fontScale="90000"/>
-          </a:bodyPr>
+          <a:bodyPr/>
           <a:lstStyle/>
           <a:p>
             <a:r>
               <a:rPr lang="fr-FR" dirty="0"/>
-              <a:t/>
+              <a:t>Présentation de l’application </a:t>
             </a:r>
             <a:br>
               <a:rPr lang="fr-FR" dirty="0"/>
             </a:br>
             <a:r>
               <a:rPr lang="fr-FR" dirty="0"/>
-              <a:t>Présentation de l’application </a:t>
-            </a:r>
-            <a:br>
-              <a:rPr lang="fr-FR" dirty="0"/>
-            </a:br>
-            <a:r>
-              <a:rPr lang="fr-FR" dirty="0"/>
               <a:t>Analyse fonctionnelle </a:t>
             </a:r>
-            <a:br>
-              <a:rPr lang="fr-FR" dirty="0"/>
-            </a:br>
-            <a:endParaRPr lang="fr-FR" dirty="0"/>
           </a:p>
         </p:txBody>
       </p:sp>
@@ -9884,7 +9780,7 @@
           <p:cNvPr id="3" name="Espace réservé du contenu 2">
             <a:extLst>
               <a:ext uri="{FF2B5EF4-FFF2-40B4-BE49-F238E27FC236}">
-                <a16:creationId xmlns="" xmlns:a16="http://schemas.microsoft.com/office/drawing/2014/main" id="{B66E4383-1A2E-40DC-A2C2-EA8D245C8A1B}"/>
+                <a16:creationId xmlns:a16="http://schemas.microsoft.com/office/drawing/2014/main" xmlns="" id="{59F03384-E0AA-4525-AC34-2764C6ECFEDA}"/>
               </a:ext>
             </a:extLst>
           </p:cNvPr>
@@ -9898,77 +9794,27 @@
         <p:spPr/>
         <p:txBody>
           <a:bodyPr>
-            <a:normAutofit lnSpcReduction="10000"/>
+            <a:normAutofit fontScale="92500" lnSpcReduction="20000"/>
           </a:bodyPr>
           <a:lstStyle/>
           <a:p>
+            <a:r>
+              <a:rPr lang="fr-FR" dirty="0"/>
+              <a:t>Identification avec un login garantissant certaines fonctionnalités en fonction du profil </a:t>
+            </a:r>
+          </a:p>
+          <a:p>
             <a:pPr lvl="2"/>
             <a:r>
               <a:rPr lang="fr-FR" dirty="0"/>
-              <a:t>Gestionnaire </a:t>
+              <a:t>Stagiaire </a:t>
             </a:r>
           </a:p>
           <a:p>
             <a:pPr lvl="4"/>
             <a:r>
               <a:rPr lang="fr-FR" dirty="0"/>
-              <a:t>Accès à la liste des stagiaires</a:t>
-            </a:r>
-          </a:p>
-          <a:p>
-            <a:pPr lvl="4"/>
-            <a:r>
-              <a:rPr lang="fr-FR" dirty="0"/>
-              <a:t>Accès à la liste des formateurs</a:t>
-            </a:r>
-          </a:p>
-          <a:p>
-            <a:pPr lvl="4"/>
-            <a:r>
-              <a:rPr lang="fr-FR" dirty="0"/>
-              <a:t>Accès à la liste des matières</a:t>
-            </a:r>
-          </a:p>
-          <a:p>
-            <a:pPr lvl="4"/>
-            <a:r>
-              <a:rPr lang="fr-FR" dirty="0"/>
-              <a:t>Accès à la disponibilité des salles </a:t>
-            </a:r>
-          </a:p>
-          <a:p>
-            <a:pPr lvl="4"/>
-            <a:r>
-              <a:rPr lang="fr-FR" dirty="0"/>
-              <a:t>Accès à la gestion du matériel </a:t>
-            </a:r>
-          </a:p>
-          <a:p>
-            <a:pPr lvl="4"/>
-            <a:r>
-              <a:rPr lang="fr-FR" dirty="0"/>
-              <a:t>Accès au planning</a:t>
-            </a:r>
-          </a:p>
-          <a:p>
-            <a:pPr lvl="4"/>
-            <a:r>
-              <a:rPr lang="fr-FR" dirty="0"/>
-              <a:t>Création d’un module  (dates données, matière(s), formateur(s))</a:t>
-            </a:r>
-          </a:p>
-          <a:p>
-            <a:pPr lvl="4"/>
-            <a:r>
-              <a:rPr lang="fr-FR" dirty="0"/>
-              <a:t>Création d’un projet de formation (stagiaires, module)</a:t>
-            </a:r>
-          </a:p>
-          <a:p>
-            <a:pPr lvl="4"/>
-            <a:r>
-              <a:rPr lang="fr-FR" dirty="0"/>
-              <a:t>Génération d’un fichier PDF d’une formation</a:t>
+              <a:t>Visualisation du planning </a:t>
             </a:r>
           </a:p>
           <a:p>
@@ -9981,17 +9827,64 @@
             <a:pPr lvl="2"/>
             <a:r>
               <a:rPr lang="fr-FR" dirty="0"/>
-              <a:t>Administrateur</a:t>
+              <a:t>Technicien </a:t>
+            </a:r>
+          </a:p>
+          <a:p>
+            <a:pPr lvl="3"/>
+            <a:r>
+              <a:rPr lang="fr-FR" dirty="0"/>
+              <a:t>Consultation/édition du stock ordinateurs et vidéoprojecteurs</a:t>
+            </a:r>
+          </a:p>
+          <a:p>
+            <a:pPr lvl="3"/>
+            <a:r>
+              <a:rPr lang="fr-FR" dirty="0"/>
+              <a:t>Alerte visuelle si stock trop bas </a:t>
+            </a:r>
+          </a:p>
+          <a:p>
+            <a:pPr lvl="3"/>
+            <a:endParaRPr lang="fr-FR" dirty="0"/>
+          </a:p>
+          <a:p>
+            <a:pPr lvl="2"/>
+            <a:r>
+              <a:rPr lang="fr-FR" dirty="0"/>
+              <a:t>Formateur </a:t>
             </a:r>
           </a:p>
           <a:p>
             <a:pPr lvl="4"/>
             <a:r>
               <a:rPr lang="fr-FR" dirty="0"/>
-              <a:t>Toutes fonctionnalités </a:t>
-            </a:r>
-          </a:p>
-          <a:p>
+              <a:t>Renseignement sur ses compétences et sa disponibilité </a:t>
+            </a:r>
+          </a:p>
+          <a:p>
+            <a:pPr lvl="4"/>
+            <a:r>
+              <a:rPr lang="fr-FR" dirty="0"/>
+              <a:t>Visualisation du planning</a:t>
+            </a:r>
+          </a:p>
+          <a:p>
+            <a:pPr lvl="4"/>
+            <a:r>
+              <a:rPr lang="fr-FR" dirty="0"/>
+              <a:t>Accès a la liste des stagiaires </a:t>
+            </a:r>
+          </a:p>
+          <a:p>
+            <a:pPr lvl="4"/>
+            <a:r>
+              <a:rPr lang="fr-FR" dirty="0"/>
+              <a:t>Accès à la liste des matières</a:t>
+            </a:r>
+          </a:p>
+          <a:p>
+            <a:pPr lvl="3"/>
             <a:endParaRPr lang="fr-FR" dirty="0"/>
           </a:p>
         </p:txBody>
@@ -9999,7 +9892,7 @@
     </p:spTree>
     <p:extLst>
       <p:ext uri="{BB962C8B-B14F-4D97-AF65-F5344CB8AC3E}">
-        <p14:creationId xmlns:p14="http://schemas.microsoft.com/office/powerpoint/2010/main" val="2885022048"/>
+        <p14:creationId xmlns:p14="http://schemas.microsoft.com/office/powerpoint/2010/main" val="2813306377"/>
       </p:ext>
     </p:extLst>
   </p:cSld>
@@ -10031,7 +9924,7 @@
           <p:cNvPr id="2" name="Titre 1">
             <a:extLst>
               <a:ext uri="{FF2B5EF4-FFF2-40B4-BE49-F238E27FC236}">
-                <a16:creationId xmlns="" xmlns:a16="http://schemas.microsoft.com/office/drawing/2014/main" id="{E0C1F39D-04FA-4E81-832A-565C78E64EE0}"/>
+                <a16:creationId xmlns:a16="http://schemas.microsoft.com/office/drawing/2014/main" xmlns="" id="{22DD26D8-472D-4FA3-8110-E67932AC91FD}"/>
               </a:ext>
             </a:extLst>
           </p:cNvPr>
@@ -10044,11 +9937,20 @@
         </p:nvSpPr>
         <p:spPr/>
         <p:txBody>
-          <a:bodyPr/>
+          <a:bodyPr>
+            <a:normAutofit fontScale="90000"/>
+          </a:bodyPr>
           <a:lstStyle/>
           <a:p>
             <a:r>
               <a:rPr lang="fr-FR" dirty="0"/>
+              <a:t/>
+            </a:r>
+            <a:br>
+              <a:rPr lang="fr-FR" dirty="0"/>
+            </a:br>
+            <a:r>
+              <a:rPr lang="fr-FR" dirty="0"/>
               <a:t>Présentation de l’application </a:t>
             </a:r>
             <a:br>
@@ -10056,44 +9958,136 @@
             </a:br>
             <a:r>
               <a:rPr lang="fr-FR" dirty="0"/>
-              <a:t>Analyse fonctionnelle : MPD</a:t>
-            </a:r>
-          </a:p>
-        </p:txBody>
-      </p:sp>
-      <p:pic>
-        <p:nvPicPr>
-          <p:cNvPr id="4" name="Espace réservé du contenu 3"/>
-          <p:cNvPicPr>
-            <a:picLocks noGrp="1" noChangeAspect="1"/>
-          </p:cNvPicPr>
-          <p:nvPr>
-            <p:ph idx="1"/>
-          </p:nvPr>
-        </p:nvPicPr>
-        <p:blipFill>
-          <a:blip r:embed="rId2">
+              <a:t>Analyse fonctionnelle </a:t>
+            </a:r>
+            <a:br>
+              <a:rPr lang="fr-FR" dirty="0"/>
+            </a:br>
+            <a:endParaRPr lang="fr-FR" dirty="0"/>
+          </a:p>
+        </p:txBody>
+      </p:sp>
+      <p:sp>
+        <p:nvSpPr>
+          <p:cNvPr id="3" name="Espace réservé du contenu 2">
             <a:extLst>
-              <a:ext uri="{28A0092B-C50C-407E-A947-70E740481C1C}">
-                <a14:useLocalDpi xmlns:a14="http://schemas.microsoft.com/office/drawing/2010/main" val="0"/>
+              <a:ext uri="{FF2B5EF4-FFF2-40B4-BE49-F238E27FC236}">
+                <a16:creationId xmlns:a16="http://schemas.microsoft.com/office/drawing/2014/main" xmlns="" id="{B66E4383-1A2E-40DC-A2C2-EA8D245C8A1B}"/>
               </a:ext>
             </a:extLst>
-          </a:blip>
-          <a:stretch>
-            <a:fillRect/>
-          </a:stretch>
-        </p:blipFill>
-        <p:spPr>
-          <a:xfrm>
-            <a:off x="2504952" y="2107589"/>
-            <a:ext cx="7182097" cy="4750411"/>
-          </a:xfrm>
-        </p:spPr>
-      </p:pic>
+          </p:cNvPr>
+          <p:cNvSpPr>
+            <a:spLocks noGrp="1"/>
+          </p:cNvSpPr>
+          <p:nvPr>
+            <p:ph idx="1"/>
+          </p:nvPr>
+        </p:nvSpPr>
+        <p:spPr/>
+        <p:txBody>
+          <a:bodyPr>
+            <a:normAutofit lnSpcReduction="10000"/>
+          </a:bodyPr>
+          <a:lstStyle/>
+          <a:p>
+            <a:pPr lvl="2"/>
+            <a:r>
+              <a:rPr lang="fr-FR" dirty="0"/>
+              <a:t>Gestionnaire </a:t>
+            </a:r>
+          </a:p>
+          <a:p>
+            <a:pPr lvl="4"/>
+            <a:r>
+              <a:rPr lang="fr-FR" dirty="0"/>
+              <a:t>Accès à la liste des stagiaires</a:t>
+            </a:r>
+          </a:p>
+          <a:p>
+            <a:pPr lvl="4"/>
+            <a:r>
+              <a:rPr lang="fr-FR" dirty="0"/>
+              <a:t>Accès à la liste des formateurs</a:t>
+            </a:r>
+          </a:p>
+          <a:p>
+            <a:pPr lvl="4"/>
+            <a:r>
+              <a:rPr lang="fr-FR" dirty="0"/>
+              <a:t>Accès à la liste des matières</a:t>
+            </a:r>
+          </a:p>
+          <a:p>
+            <a:pPr lvl="4"/>
+            <a:r>
+              <a:rPr lang="fr-FR" dirty="0"/>
+              <a:t>Accès à la disponibilité des salles </a:t>
+            </a:r>
+          </a:p>
+          <a:p>
+            <a:pPr lvl="4"/>
+            <a:r>
+              <a:rPr lang="fr-FR" dirty="0"/>
+              <a:t>Accès à la gestion du matériel </a:t>
+            </a:r>
+          </a:p>
+          <a:p>
+            <a:pPr lvl="4"/>
+            <a:r>
+              <a:rPr lang="fr-FR" dirty="0"/>
+              <a:t>Accès au planning</a:t>
+            </a:r>
+          </a:p>
+          <a:p>
+            <a:pPr lvl="4"/>
+            <a:r>
+              <a:rPr lang="fr-FR" dirty="0"/>
+              <a:t>Création d’un module  (dates données, matière(s), formateur(s))</a:t>
+            </a:r>
+          </a:p>
+          <a:p>
+            <a:pPr lvl="4"/>
+            <a:r>
+              <a:rPr lang="fr-FR" dirty="0"/>
+              <a:t>Création d’un projet de formation (stagiaires, module)</a:t>
+            </a:r>
+          </a:p>
+          <a:p>
+            <a:pPr lvl="4"/>
+            <a:r>
+              <a:rPr lang="fr-FR" dirty="0"/>
+              <a:t>Génération d’un fichier PDF d’une formation</a:t>
+            </a:r>
+          </a:p>
+          <a:p>
+            <a:pPr marL="1828800" lvl="4" indent="0">
+              <a:buNone/>
+            </a:pPr>
+            <a:endParaRPr lang="fr-FR" dirty="0"/>
+          </a:p>
+          <a:p>
+            <a:pPr lvl="2"/>
+            <a:r>
+              <a:rPr lang="fr-FR" dirty="0"/>
+              <a:t>Administrateur</a:t>
+            </a:r>
+          </a:p>
+          <a:p>
+            <a:pPr lvl="4"/>
+            <a:r>
+              <a:rPr lang="fr-FR" dirty="0"/>
+              <a:t>Toutes fonctionnalités </a:t>
+            </a:r>
+          </a:p>
+          <a:p>
+            <a:endParaRPr lang="fr-FR" dirty="0"/>
+          </a:p>
+        </p:txBody>
+      </p:sp>
     </p:spTree>
     <p:extLst>
       <p:ext uri="{BB962C8B-B14F-4D97-AF65-F5344CB8AC3E}">
-        <p14:creationId xmlns:p14="http://schemas.microsoft.com/office/powerpoint/2010/main" val="3859705430"/>
+        <p14:creationId xmlns:p14="http://schemas.microsoft.com/office/powerpoint/2010/main" val="2885022048"/>
       </p:ext>
     </p:extLst>
   </p:cSld>

--- a/Projet final.pptx
+++ b/Projet final.pptx
@@ -7770,7 +7770,7 @@
           <p:cNvPr id="2" name="Titre 1">
             <a:extLst>
               <a:ext uri="{FF2B5EF4-FFF2-40B4-BE49-F238E27FC236}">
-                <a16:creationId xmlns:a16="http://schemas.microsoft.com/office/drawing/2014/main" xmlns="" id="{35F66955-3072-4076-AAE0-910469EE0894}"/>
+                <a16:creationId xmlns="" xmlns:a16="http://schemas.microsoft.com/office/drawing/2014/main" id="{35F66955-3072-4076-AAE0-910469EE0894}"/>
               </a:ext>
             </a:extLst>
           </p:cNvPr>
@@ -7809,7 +7809,7 @@
           <p:cNvPr id="3" name="Sous-titre 2">
             <a:extLst>
               <a:ext uri="{FF2B5EF4-FFF2-40B4-BE49-F238E27FC236}">
-                <a16:creationId xmlns:a16="http://schemas.microsoft.com/office/drawing/2014/main" xmlns="" id="{82D42387-76EF-454D-990C-0AD76E9A3BAC}"/>
+                <a16:creationId xmlns="" xmlns:a16="http://schemas.microsoft.com/office/drawing/2014/main" id="{82D42387-76EF-454D-990C-0AD76E9A3BAC}"/>
               </a:ext>
             </a:extLst>
           </p:cNvPr>
@@ -7842,7 +7842,7 @@
           <p:cNvPr id="5" name="Sous-titre 2">
             <a:extLst>
               <a:ext uri="{FF2B5EF4-FFF2-40B4-BE49-F238E27FC236}">
-                <a16:creationId xmlns:a16="http://schemas.microsoft.com/office/drawing/2014/main" xmlns="" id="{57C0654A-59AA-4B68-9D5A-6C415E8EC91D}"/>
+                <a16:creationId xmlns="" xmlns:a16="http://schemas.microsoft.com/office/drawing/2014/main" id="{57C0654A-59AA-4B68-9D5A-6C415E8EC91D}"/>
               </a:ext>
             </a:extLst>
           </p:cNvPr>
@@ -8118,7 +8118,7 @@
           <p:cNvPr id="2" name="Titre 1">
             <a:extLst>
               <a:ext uri="{FF2B5EF4-FFF2-40B4-BE49-F238E27FC236}">
-                <a16:creationId xmlns:a16="http://schemas.microsoft.com/office/drawing/2014/main" xmlns="" id="{380C8E54-3508-43B3-9676-2A3B332EE20C}"/>
+                <a16:creationId xmlns="" xmlns:a16="http://schemas.microsoft.com/office/drawing/2014/main" id="{380C8E54-3508-43B3-9676-2A3B332EE20C}"/>
               </a:ext>
             </a:extLst>
           </p:cNvPr>
@@ -8154,7 +8154,7 @@
           <p:cNvPr id="3" name="Espace réservé du contenu 2">
             <a:extLst>
               <a:ext uri="{FF2B5EF4-FFF2-40B4-BE49-F238E27FC236}">
-                <a16:creationId xmlns:a16="http://schemas.microsoft.com/office/drawing/2014/main" xmlns="" id="{448F44E6-9AA5-4A56-AE99-E68B9F62D0BC}"/>
+                <a16:creationId xmlns="" xmlns:a16="http://schemas.microsoft.com/office/drawing/2014/main" id="{448F44E6-9AA5-4A56-AE99-E68B9F62D0BC}"/>
               </a:ext>
             </a:extLst>
           </p:cNvPr>
@@ -8304,7 +8304,7 @@
           <p:cNvPr id="2" name="Titre 1">
             <a:extLst>
               <a:ext uri="{FF2B5EF4-FFF2-40B4-BE49-F238E27FC236}">
-                <a16:creationId xmlns:a16="http://schemas.microsoft.com/office/drawing/2014/main" xmlns="" id="{380C8E54-3508-43B3-9676-2A3B332EE20C}"/>
+                <a16:creationId xmlns="" xmlns:a16="http://schemas.microsoft.com/office/drawing/2014/main" id="{380C8E54-3508-43B3-9676-2A3B332EE20C}"/>
               </a:ext>
             </a:extLst>
           </p:cNvPr>
@@ -8340,7 +8340,7 @@
           <p:cNvPr id="3" name="Espace réservé du contenu 2">
             <a:extLst>
               <a:ext uri="{FF2B5EF4-FFF2-40B4-BE49-F238E27FC236}">
-                <a16:creationId xmlns:a16="http://schemas.microsoft.com/office/drawing/2014/main" xmlns="" id="{448F44E6-9AA5-4A56-AE99-E68B9F62D0BC}"/>
+                <a16:creationId xmlns="" xmlns:a16="http://schemas.microsoft.com/office/drawing/2014/main" id="{448F44E6-9AA5-4A56-AE99-E68B9F62D0BC}"/>
               </a:ext>
             </a:extLst>
           </p:cNvPr>
@@ -8423,7 +8423,7 @@
           <p:cNvPr id="2" name="Titre 1">
             <a:extLst>
               <a:ext uri="{FF2B5EF4-FFF2-40B4-BE49-F238E27FC236}">
-                <a16:creationId xmlns:a16="http://schemas.microsoft.com/office/drawing/2014/main" xmlns="" id="{380C8E54-3508-43B3-9676-2A3B332EE20C}"/>
+                <a16:creationId xmlns="" xmlns:a16="http://schemas.microsoft.com/office/drawing/2014/main" id="{380C8E54-3508-43B3-9676-2A3B332EE20C}"/>
               </a:ext>
             </a:extLst>
           </p:cNvPr>
@@ -8467,7 +8467,7 @@
           <p:cNvPr id="3" name="Espace réservé du contenu 2">
             <a:extLst>
               <a:ext uri="{FF2B5EF4-FFF2-40B4-BE49-F238E27FC236}">
-                <a16:creationId xmlns:a16="http://schemas.microsoft.com/office/drawing/2014/main" xmlns="" id="{448F44E6-9AA5-4A56-AE99-E68B9F62D0BC}"/>
+                <a16:creationId xmlns="" xmlns:a16="http://schemas.microsoft.com/office/drawing/2014/main" id="{448F44E6-9AA5-4A56-AE99-E68B9F62D0BC}"/>
               </a:ext>
             </a:extLst>
           </p:cNvPr>
@@ -8511,20 +8511,11 @@
             </a:pPr>
             <a:r>
               <a:rPr lang="fr-FR" dirty="0" smtClean="0"/>
-              <a:t>Authentification</a:t>
-            </a:r>
-          </a:p>
-          <a:p>
-            <a:pPr lvl="1">
-              <a:lnSpc>
-                <a:spcPct val="150000"/>
-              </a:lnSpc>
-              <a:buFont typeface="Wingdings" panose="05000000000000000000" pitchFamily="2" charset="2"/>
-              <a:buChar char="§"/>
-            </a:pPr>
+              <a:t>Architecture </a:t>
+            </a:r>
             <a:r>
               <a:rPr lang="fr-FR" dirty="0" smtClean="0"/>
-              <a:t>Architecture (routes et </a:t>
+              <a:t>(routes et </a:t>
             </a:r>
             <a:r>
               <a:rPr lang="fr-FR" dirty="0" err="1" smtClean="0"/>
@@ -8643,7 +8634,7 @@
           <p:cNvPr id="2" name="Titre 1">
             <a:extLst>
               <a:ext uri="{FF2B5EF4-FFF2-40B4-BE49-F238E27FC236}">
-                <a16:creationId xmlns:a16="http://schemas.microsoft.com/office/drawing/2014/main" xmlns="" id="{192AF73E-CA44-41CF-803B-BBD400D3200A}"/>
+                <a16:creationId xmlns="" xmlns:a16="http://schemas.microsoft.com/office/drawing/2014/main" id="{192AF73E-CA44-41CF-803B-BBD400D3200A}"/>
               </a:ext>
             </a:extLst>
           </p:cNvPr>
@@ -8671,7 +8662,7 @@
           <p:cNvPr id="3" name="Espace réservé du contenu 2">
             <a:extLst>
               <a:ext uri="{FF2B5EF4-FFF2-40B4-BE49-F238E27FC236}">
-                <a16:creationId xmlns:a16="http://schemas.microsoft.com/office/drawing/2014/main" xmlns="" id="{3A9AB758-24D0-44E2-8E5A-EF1802A0837C}"/>
+                <a16:creationId xmlns="" xmlns:a16="http://schemas.microsoft.com/office/drawing/2014/main" id="{3A9AB758-24D0-44E2-8E5A-EF1802A0837C}"/>
               </a:ext>
             </a:extLst>
           </p:cNvPr>
@@ -8780,7 +8771,7 @@
           <p:cNvPr id="2" name="Titre 1">
             <a:extLst>
               <a:ext uri="{FF2B5EF4-FFF2-40B4-BE49-F238E27FC236}">
-                <a16:creationId xmlns:a16="http://schemas.microsoft.com/office/drawing/2014/main" xmlns="" id="{16B3709F-FBDE-42AA-9C23-C813B88702E1}"/>
+                <a16:creationId xmlns="" xmlns:a16="http://schemas.microsoft.com/office/drawing/2014/main" id="{16B3709F-FBDE-42AA-9C23-C813B88702E1}"/>
               </a:ext>
             </a:extLst>
           </p:cNvPr>
@@ -8808,7 +8799,7 @@
           <p:cNvPr id="3" name="Espace réservé du contenu 2">
             <a:extLst>
               <a:ext uri="{FF2B5EF4-FFF2-40B4-BE49-F238E27FC236}">
-                <a16:creationId xmlns:a16="http://schemas.microsoft.com/office/drawing/2014/main" xmlns="" id="{5E3D3DF2-C56C-4868-9CFC-9B16C8A13459}"/>
+                <a16:creationId xmlns="" xmlns:a16="http://schemas.microsoft.com/office/drawing/2014/main" id="{5E3D3DF2-C56C-4868-9CFC-9B16C8A13459}"/>
               </a:ext>
             </a:extLst>
           </p:cNvPr>
@@ -8898,7 +8889,7 @@
           <p:cNvPr id="3" name="Espace réservé du contenu 2">
             <a:extLst>
               <a:ext uri="{FF2B5EF4-FFF2-40B4-BE49-F238E27FC236}">
-                <a16:creationId xmlns:a16="http://schemas.microsoft.com/office/drawing/2014/main" xmlns="" id="{C45A8DFE-CF96-48A5-9D7E-073BBC62CCF9}"/>
+                <a16:creationId xmlns="" xmlns:a16="http://schemas.microsoft.com/office/drawing/2014/main" id="{C45A8DFE-CF96-48A5-9D7E-073BBC62CCF9}"/>
               </a:ext>
             </a:extLst>
           </p:cNvPr>
@@ -8966,7 +8957,7 @@
           <p:cNvPr id="2" name="Titre 1">
             <a:extLst>
               <a:ext uri="{FF2B5EF4-FFF2-40B4-BE49-F238E27FC236}">
-                <a16:creationId xmlns:a16="http://schemas.microsoft.com/office/drawing/2014/main" xmlns="" id="{9515E319-373C-475B-AE13-3745F8E6879A}"/>
+                <a16:creationId xmlns="" xmlns:a16="http://schemas.microsoft.com/office/drawing/2014/main" id="{9515E319-373C-475B-AE13-3745F8E6879A}"/>
               </a:ext>
             </a:extLst>
           </p:cNvPr>
@@ -8994,7 +8985,7 @@
           <p:cNvPr id="3" name="Espace réservé du contenu 2">
             <a:extLst>
               <a:ext uri="{FF2B5EF4-FFF2-40B4-BE49-F238E27FC236}">
-                <a16:creationId xmlns:a16="http://schemas.microsoft.com/office/drawing/2014/main" xmlns="" id="{F28A2537-7C03-421F-B15A-C5EDAD7403A0}"/>
+                <a16:creationId xmlns="" xmlns:a16="http://schemas.microsoft.com/office/drawing/2014/main" id="{F28A2537-7C03-421F-B15A-C5EDAD7403A0}"/>
               </a:ext>
             </a:extLst>
           </p:cNvPr>
@@ -9132,7 +9123,7 @@
           <p:cNvPr id="2" name="Titre 1">
             <a:extLst>
               <a:ext uri="{FF2B5EF4-FFF2-40B4-BE49-F238E27FC236}">
-                <a16:creationId xmlns:a16="http://schemas.microsoft.com/office/drawing/2014/main" xmlns="" id="{F9441E13-CEE3-4371-8084-C8CCA2A693CE}"/>
+                <a16:creationId xmlns="" xmlns:a16="http://schemas.microsoft.com/office/drawing/2014/main" id="{F9441E13-CEE3-4371-8084-C8CCA2A693CE}"/>
               </a:ext>
             </a:extLst>
           </p:cNvPr>
@@ -9167,7 +9158,7 @@
           <p:cNvPr id="3" name="Espace réservé du contenu 2">
             <a:extLst>
               <a:ext uri="{FF2B5EF4-FFF2-40B4-BE49-F238E27FC236}">
-                <a16:creationId xmlns:a16="http://schemas.microsoft.com/office/drawing/2014/main" xmlns="" id="{F704A0A9-FA16-4CD7-AB3F-0CDD674A7B13}"/>
+                <a16:creationId xmlns="" xmlns:a16="http://schemas.microsoft.com/office/drawing/2014/main" id="{F704A0A9-FA16-4CD7-AB3F-0CDD674A7B13}"/>
               </a:ext>
             </a:extLst>
           </p:cNvPr>
@@ -9254,7 +9245,7 @@
           <p:cNvPr id="4" name="Flèche : courbe vers la gauche 3">
             <a:extLst>
               <a:ext uri="{FF2B5EF4-FFF2-40B4-BE49-F238E27FC236}">
-                <a16:creationId xmlns:a16="http://schemas.microsoft.com/office/drawing/2014/main" xmlns="" id="{DBF94E89-C63F-4C3E-B67F-EABECE887043}"/>
+                <a16:creationId xmlns="" xmlns:a16="http://schemas.microsoft.com/office/drawing/2014/main" id="{DBF94E89-C63F-4C3E-B67F-EABECE887043}"/>
               </a:ext>
             </a:extLst>
           </p:cNvPr>
@@ -9334,7 +9325,7 @@
           <p:cNvPr id="2" name="Titre 1">
             <a:extLst>
               <a:ext uri="{FF2B5EF4-FFF2-40B4-BE49-F238E27FC236}">
-                <a16:creationId xmlns:a16="http://schemas.microsoft.com/office/drawing/2014/main" xmlns="" id="{2DC0D81E-B9B4-4ED0-AC6A-2528F6729AAD}"/>
+                <a16:creationId xmlns="" xmlns:a16="http://schemas.microsoft.com/office/drawing/2014/main" id="{2DC0D81E-B9B4-4ED0-AC6A-2528F6729AAD}"/>
               </a:ext>
             </a:extLst>
           </p:cNvPr>
@@ -9369,7 +9360,7 @@
           <p:cNvPr id="3" name="Espace réservé du contenu 2">
             <a:extLst>
               <a:ext uri="{FF2B5EF4-FFF2-40B4-BE49-F238E27FC236}">
-                <a16:creationId xmlns:a16="http://schemas.microsoft.com/office/drawing/2014/main" xmlns="" id="{CAA9697C-04C5-4640-8B47-3BC10142B807}"/>
+                <a16:creationId xmlns="" xmlns:a16="http://schemas.microsoft.com/office/drawing/2014/main" id="{CAA9697C-04C5-4640-8B47-3BC10142B807}"/>
               </a:ext>
             </a:extLst>
           </p:cNvPr>
@@ -9503,7 +9494,7 @@
           <p:cNvPr id="2" name="Titre 1">
             <a:extLst>
               <a:ext uri="{FF2B5EF4-FFF2-40B4-BE49-F238E27FC236}">
-                <a16:creationId xmlns:a16="http://schemas.microsoft.com/office/drawing/2014/main" xmlns="" id="{512CC707-4647-4CB8-B911-6A90FB4AD937}"/>
+                <a16:creationId xmlns="" xmlns:a16="http://schemas.microsoft.com/office/drawing/2014/main" id="{512CC707-4647-4CB8-B911-6A90FB4AD937}"/>
               </a:ext>
             </a:extLst>
           </p:cNvPr>
@@ -9551,7 +9542,7 @@
           <p:cNvPr id="3" name="Espace réservé du contenu 2">
             <a:extLst>
               <a:ext uri="{FF2B5EF4-FFF2-40B4-BE49-F238E27FC236}">
-                <a16:creationId xmlns:a16="http://schemas.microsoft.com/office/drawing/2014/main" xmlns="" id="{E72F21AE-8E73-48D1-987B-6190E8382598}"/>
+                <a16:creationId xmlns="" xmlns:a16="http://schemas.microsoft.com/office/drawing/2014/main" id="{E72F21AE-8E73-48D1-987B-6190E8382598}"/>
               </a:ext>
             </a:extLst>
           </p:cNvPr>
@@ -9651,7 +9642,7 @@
           <p:cNvPr id="2" name="Titre 1">
             <a:extLst>
               <a:ext uri="{FF2B5EF4-FFF2-40B4-BE49-F238E27FC236}">
-                <a16:creationId xmlns:a16="http://schemas.microsoft.com/office/drawing/2014/main" xmlns="" id="{E0C1F39D-04FA-4E81-832A-565C78E64EE0}"/>
+                <a16:creationId xmlns="" xmlns:a16="http://schemas.microsoft.com/office/drawing/2014/main" id="{E0C1F39D-04FA-4E81-832A-565C78E64EE0}"/>
               </a:ext>
             </a:extLst>
           </p:cNvPr>
@@ -9745,7 +9736,7 @@
           <p:cNvPr id="2" name="Titre 1">
             <a:extLst>
               <a:ext uri="{FF2B5EF4-FFF2-40B4-BE49-F238E27FC236}">
-                <a16:creationId xmlns:a16="http://schemas.microsoft.com/office/drawing/2014/main" xmlns="" id="{44BBB705-BF6F-4FF4-A44C-8A030495D815}"/>
+                <a16:creationId xmlns="" xmlns:a16="http://schemas.microsoft.com/office/drawing/2014/main" id="{44BBB705-BF6F-4FF4-A44C-8A030495D815}"/>
               </a:ext>
             </a:extLst>
           </p:cNvPr>
@@ -9780,7 +9771,7 @@
           <p:cNvPr id="3" name="Espace réservé du contenu 2">
             <a:extLst>
               <a:ext uri="{FF2B5EF4-FFF2-40B4-BE49-F238E27FC236}">
-                <a16:creationId xmlns:a16="http://schemas.microsoft.com/office/drawing/2014/main" xmlns="" id="{59F03384-E0AA-4525-AC34-2764C6ECFEDA}"/>
+                <a16:creationId xmlns="" xmlns:a16="http://schemas.microsoft.com/office/drawing/2014/main" id="{59F03384-E0AA-4525-AC34-2764C6ECFEDA}"/>
               </a:ext>
             </a:extLst>
           </p:cNvPr>
@@ -9924,7 +9915,7 @@
           <p:cNvPr id="2" name="Titre 1">
             <a:extLst>
               <a:ext uri="{FF2B5EF4-FFF2-40B4-BE49-F238E27FC236}">
-                <a16:creationId xmlns:a16="http://schemas.microsoft.com/office/drawing/2014/main" xmlns="" id="{22DD26D8-472D-4FA3-8110-E67932AC91FD}"/>
+                <a16:creationId xmlns="" xmlns:a16="http://schemas.microsoft.com/office/drawing/2014/main" id="{22DD26D8-472D-4FA3-8110-E67932AC91FD}"/>
               </a:ext>
             </a:extLst>
           </p:cNvPr>
@@ -9972,7 +9963,7 @@
           <p:cNvPr id="3" name="Espace réservé du contenu 2">
             <a:extLst>
               <a:ext uri="{FF2B5EF4-FFF2-40B4-BE49-F238E27FC236}">
-                <a16:creationId xmlns:a16="http://schemas.microsoft.com/office/drawing/2014/main" xmlns="" id="{B66E4383-1A2E-40DC-A2C2-EA8D245C8A1B}"/>
+                <a16:creationId xmlns="" xmlns:a16="http://schemas.microsoft.com/office/drawing/2014/main" id="{B66E4383-1A2E-40DC-A2C2-EA8D245C8A1B}"/>
               </a:ext>
             </a:extLst>
           </p:cNvPr>

--- a/Projet final.pptx
+++ b/Projet final.pptx
@@ -7770,7 +7770,7 @@
           <p:cNvPr id="2" name="Titre 1">
             <a:extLst>
               <a:ext uri="{FF2B5EF4-FFF2-40B4-BE49-F238E27FC236}">
-                <a16:creationId xmlns="" xmlns:a16="http://schemas.microsoft.com/office/drawing/2014/main" id="{35F66955-3072-4076-AAE0-910469EE0894}"/>
+                <a16:creationId xmlns:a16="http://schemas.microsoft.com/office/drawing/2014/main" xmlns="" id="{35F66955-3072-4076-AAE0-910469EE0894}"/>
               </a:ext>
             </a:extLst>
           </p:cNvPr>
@@ -7809,7 +7809,7 @@
           <p:cNvPr id="3" name="Sous-titre 2">
             <a:extLst>
               <a:ext uri="{FF2B5EF4-FFF2-40B4-BE49-F238E27FC236}">
-                <a16:creationId xmlns="" xmlns:a16="http://schemas.microsoft.com/office/drawing/2014/main" id="{82D42387-76EF-454D-990C-0AD76E9A3BAC}"/>
+                <a16:creationId xmlns:a16="http://schemas.microsoft.com/office/drawing/2014/main" xmlns="" id="{82D42387-76EF-454D-990C-0AD76E9A3BAC}"/>
               </a:ext>
             </a:extLst>
           </p:cNvPr>
@@ -7842,7 +7842,7 @@
           <p:cNvPr id="5" name="Sous-titre 2">
             <a:extLst>
               <a:ext uri="{FF2B5EF4-FFF2-40B4-BE49-F238E27FC236}">
-                <a16:creationId xmlns="" xmlns:a16="http://schemas.microsoft.com/office/drawing/2014/main" id="{57C0654A-59AA-4B68-9D5A-6C415E8EC91D}"/>
+                <a16:creationId xmlns:a16="http://schemas.microsoft.com/office/drawing/2014/main" xmlns="" id="{57C0654A-59AA-4B68-9D5A-6C415E8EC91D}"/>
               </a:ext>
             </a:extLst>
           </p:cNvPr>
@@ -8118,7 +8118,7 @@
           <p:cNvPr id="2" name="Titre 1">
             <a:extLst>
               <a:ext uri="{FF2B5EF4-FFF2-40B4-BE49-F238E27FC236}">
-                <a16:creationId xmlns="" xmlns:a16="http://schemas.microsoft.com/office/drawing/2014/main" id="{380C8E54-3508-43B3-9676-2A3B332EE20C}"/>
+                <a16:creationId xmlns:a16="http://schemas.microsoft.com/office/drawing/2014/main" xmlns="" id="{380C8E54-3508-43B3-9676-2A3B332EE20C}"/>
               </a:ext>
             </a:extLst>
           </p:cNvPr>
@@ -8154,7 +8154,7 @@
           <p:cNvPr id="3" name="Espace réservé du contenu 2">
             <a:extLst>
               <a:ext uri="{FF2B5EF4-FFF2-40B4-BE49-F238E27FC236}">
-                <a16:creationId xmlns="" xmlns:a16="http://schemas.microsoft.com/office/drawing/2014/main" id="{448F44E6-9AA5-4A56-AE99-E68B9F62D0BC}"/>
+                <a16:creationId xmlns:a16="http://schemas.microsoft.com/office/drawing/2014/main" xmlns="" id="{448F44E6-9AA5-4A56-AE99-E68B9F62D0BC}"/>
               </a:ext>
             </a:extLst>
           </p:cNvPr>
@@ -8304,7 +8304,7 @@
           <p:cNvPr id="2" name="Titre 1">
             <a:extLst>
               <a:ext uri="{FF2B5EF4-FFF2-40B4-BE49-F238E27FC236}">
-                <a16:creationId xmlns="" xmlns:a16="http://schemas.microsoft.com/office/drawing/2014/main" id="{380C8E54-3508-43B3-9676-2A3B332EE20C}"/>
+                <a16:creationId xmlns:a16="http://schemas.microsoft.com/office/drawing/2014/main" xmlns="" id="{380C8E54-3508-43B3-9676-2A3B332EE20C}"/>
               </a:ext>
             </a:extLst>
           </p:cNvPr>
@@ -8340,7 +8340,7 @@
           <p:cNvPr id="3" name="Espace réservé du contenu 2">
             <a:extLst>
               <a:ext uri="{FF2B5EF4-FFF2-40B4-BE49-F238E27FC236}">
-                <a16:creationId xmlns="" xmlns:a16="http://schemas.microsoft.com/office/drawing/2014/main" id="{448F44E6-9AA5-4A56-AE99-E68B9F62D0BC}"/>
+                <a16:creationId xmlns:a16="http://schemas.microsoft.com/office/drawing/2014/main" xmlns="" id="{448F44E6-9AA5-4A56-AE99-E68B9F62D0BC}"/>
               </a:ext>
             </a:extLst>
           </p:cNvPr>
@@ -8423,7 +8423,7 @@
           <p:cNvPr id="2" name="Titre 1">
             <a:extLst>
               <a:ext uri="{FF2B5EF4-FFF2-40B4-BE49-F238E27FC236}">
-                <a16:creationId xmlns="" xmlns:a16="http://schemas.microsoft.com/office/drawing/2014/main" id="{380C8E54-3508-43B3-9676-2A3B332EE20C}"/>
+                <a16:creationId xmlns:a16="http://schemas.microsoft.com/office/drawing/2014/main" xmlns="" id="{380C8E54-3508-43B3-9676-2A3B332EE20C}"/>
               </a:ext>
             </a:extLst>
           </p:cNvPr>
@@ -8467,7 +8467,7 @@
           <p:cNvPr id="3" name="Espace réservé du contenu 2">
             <a:extLst>
               <a:ext uri="{FF2B5EF4-FFF2-40B4-BE49-F238E27FC236}">
-                <a16:creationId xmlns="" xmlns:a16="http://schemas.microsoft.com/office/drawing/2014/main" id="{448F44E6-9AA5-4A56-AE99-E68B9F62D0BC}"/>
+                <a16:creationId xmlns:a16="http://schemas.microsoft.com/office/drawing/2014/main" xmlns="" id="{448F44E6-9AA5-4A56-AE99-E68B9F62D0BC}"/>
               </a:ext>
             </a:extLst>
           </p:cNvPr>
@@ -8511,11 +8511,7 @@
             </a:pPr>
             <a:r>
               <a:rPr lang="fr-FR" dirty="0" smtClean="0"/>
-              <a:t>Architecture </a:t>
-            </a:r>
-            <a:r>
-              <a:rPr lang="fr-FR" dirty="0" smtClean="0"/>
-              <a:t>(routes et </a:t>
+              <a:t>Architecture (routes et </a:t>
             </a:r>
             <a:r>
               <a:rPr lang="fr-FR" dirty="0" err="1" smtClean="0"/>
@@ -8557,7 +8553,11 @@
             </a:pPr>
             <a:r>
               <a:rPr lang="fr-FR" dirty="0" smtClean="0"/>
-              <a:t>Listes liées à la base SQL avec possibilité d’édition (services)</a:t>
+              <a:t>Listes liées à la base SQL avec possibilité d’édition (services</a:t>
+            </a:r>
+            <a:r>
+              <a:rPr lang="fr-FR" dirty="0" smtClean="0"/>
+              <a:t>)</a:t>
             </a:r>
           </a:p>
           <a:p>
@@ -8569,16 +8569,8 @@
               <a:buChar char="§"/>
             </a:pPr>
             <a:r>
-              <a:rPr lang="fr-FR" dirty="0" smtClean="0"/>
-              <a:t>Planning (</a:t>
-            </a:r>
-            <a:r>
-              <a:rPr lang="fr-FR" dirty="0" err="1" smtClean="0"/>
-              <a:t>ng-fullcalendar</a:t>
-            </a:r>
-            <a:r>
-              <a:rPr lang="fr-FR" dirty="0" smtClean="0"/>
-              <a:t>)</a:t>
+              <a:rPr lang="fr-FR" dirty="0"/>
+              <a:t>Authentification </a:t>
             </a:r>
           </a:p>
           <a:p>
@@ -8591,7 +8583,19 @@
             </a:pPr>
             <a:r>
               <a:rPr lang="fr-FR" dirty="0" smtClean="0"/>
-              <a:t>Authentification </a:t>
+              <a:t>Planning </a:t>
+            </a:r>
+            <a:r>
+              <a:rPr lang="fr-FR" dirty="0" smtClean="0"/>
+              <a:t>(</a:t>
+            </a:r>
+            <a:r>
+              <a:rPr lang="fr-FR" dirty="0" err="1" smtClean="0"/>
+              <a:t>ng-fullcalendar</a:t>
+            </a:r>
+            <a:r>
+              <a:rPr lang="fr-FR" dirty="0" smtClean="0"/>
+              <a:t>)</a:t>
             </a:r>
           </a:p>
           <a:p>
@@ -8634,7 +8638,7 @@
           <p:cNvPr id="2" name="Titre 1">
             <a:extLst>
               <a:ext uri="{FF2B5EF4-FFF2-40B4-BE49-F238E27FC236}">
-                <a16:creationId xmlns="" xmlns:a16="http://schemas.microsoft.com/office/drawing/2014/main" id="{192AF73E-CA44-41CF-803B-BBD400D3200A}"/>
+                <a16:creationId xmlns:a16="http://schemas.microsoft.com/office/drawing/2014/main" xmlns="" id="{192AF73E-CA44-41CF-803B-BBD400D3200A}"/>
               </a:ext>
             </a:extLst>
           </p:cNvPr>
@@ -8662,7 +8666,7 @@
           <p:cNvPr id="3" name="Espace réservé du contenu 2">
             <a:extLst>
               <a:ext uri="{FF2B5EF4-FFF2-40B4-BE49-F238E27FC236}">
-                <a16:creationId xmlns="" xmlns:a16="http://schemas.microsoft.com/office/drawing/2014/main" id="{3A9AB758-24D0-44E2-8E5A-EF1802A0837C}"/>
+                <a16:creationId xmlns:a16="http://schemas.microsoft.com/office/drawing/2014/main" xmlns="" id="{3A9AB758-24D0-44E2-8E5A-EF1802A0837C}"/>
               </a:ext>
             </a:extLst>
           </p:cNvPr>
@@ -8771,7 +8775,7 @@
           <p:cNvPr id="2" name="Titre 1">
             <a:extLst>
               <a:ext uri="{FF2B5EF4-FFF2-40B4-BE49-F238E27FC236}">
-                <a16:creationId xmlns="" xmlns:a16="http://schemas.microsoft.com/office/drawing/2014/main" id="{16B3709F-FBDE-42AA-9C23-C813B88702E1}"/>
+                <a16:creationId xmlns:a16="http://schemas.microsoft.com/office/drawing/2014/main" xmlns="" id="{16B3709F-FBDE-42AA-9C23-C813B88702E1}"/>
               </a:ext>
             </a:extLst>
           </p:cNvPr>
@@ -8799,7 +8803,7 @@
           <p:cNvPr id="3" name="Espace réservé du contenu 2">
             <a:extLst>
               <a:ext uri="{FF2B5EF4-FFF2-40B4-BE49-F238E27FC236}">
-                <a16:creationId xmlns="" xmlns:a16="http://schemas.microsoft.com/office/drawing/2014/main" id="{5E3D3DF2-C56C-4868-9CFC-9B16C8A13459}"/>
+                <a16:creationId xmlns:a16="http://schemas.microsoft.com/office/drawing/2014/main" xmlns="" id="{5E3D3DF2-C56C-4868-9CFC-9B16C8A13459}"/>
               </a:ext>
             </a:extLst>
           </p:cNvPr>
@@ -8889,7 +8893,7 @@
           <p:cNvPr id="3" name="Espace réservé du contenu 2">
             <a:extLst>
               <a:ext uri="{FF2B5EF4-FFF2-40B4-BE49-F238E27FC236}">
-                <a16:creationId xmlns="" xmlns:a16="http://schemas.microsoft.com/office/drawing/2014/main" id="{C45A8DFE-CF96-48A5-9D7E-073BBC62CCF9}"/>
+                <a16:creationId xmlns:a16="http://schemas.microsoft.com/office/drawing/2014/main" xmlns="" id="{C45A8DFE-CF96-48A5-9D7E-073BBC62CCF9}"/>
               </a:ext>
             </a:extLst>
           </p:cNvPr>
@@ -8957,7 +8961,7 @@
           <p:cNvPr id="2" name="Titre 1">
             <a:extLst>
               <a:ext uri="{FF2B5EF4-FFF2-40B4-BE49-F238E27FC236}">
-                <a16:creationId xmlns="" xmlns:a16="http://schemas.microsoft.com/office/drawing/2014/main" id="{9515E319-373C-475B-AE13-3745F8E6879A}"/>
+                <a16:creationId xmlns:a16="http://schemas.microsoft.com/office/drawing/2014/main" xmlns="" id="{9515E319-373C-475B-AE13-3745F8E6879A}"/>
               </a:ext>
             </a:extLst>
           </p:cNvPr>
@@ -8985,7 +8989,7 @@
           <p:cNvPr id="3" name="Espace réservé du contenu 2">
             <a:extLst>
               <a:ext uri="{FF2B5EF4-FFF2-40B4-BE49-F238E27FC236}">
-                <a16:creationId xmlns="" xmlns:a16="http://schemas.microsoft.com/office/drawing/2014/main" id="{F28A2537-7C03-421F-B15A-C5EDAD7403A0}"/>
+                <a16:creationId xmlns:a16="http://schemas.microsoft.com/office/drawing/2014/main" xmlns="" id="{F28A2537-7C03-421F-B15A-C5EDAD7403A0}"/>
               </a:ext>
             </a:extLst>
           </p:cNvPr>
@@ -9123,7 +9127,7 @@
           <p:cNvPr id="2" name="Titre 1">
             <a:extLst>
               <a:ext uri="{FF2B5EF4-FFF2-40B4-BE49-F238E27FC236}">
-                <a16:creationId xmlns="" xmlns:a16="http://schemas.microsoft.com/office/drawing/2014/main" id="{F9441E13-CEE3-4371-8084-C8CCA2A693CE}"/>
+                <a16:creationId xmlns:a16="http://schemas.microsoft.com/office/drawing/2014/main" xmlns="" id="{F9441E13-CEE3-4371-8084-C8CCA2A693CE}"/>
               </a:ext>
             </a:extLst>
           </p:cNvPr>
@@ -9158,7 +9162,7 @@
           <p:cNvPr id="3" name="Espace réservé du contenu 2">
             <a:extLst>
               <a:ext uri="{FF2B5EF4-FFF2-40B4-BE49-F238E27FC236}">
-                <a16:creationId xmlns="" xmlns:a16="http://schemas.microsoft.com/office/drawing/2014/main" id="{F704A0A9-FA16-4CD7-AB3F-0CDD674A7B13}"/>
+                <a16:creationId xmlns:a16="http://schemas.microsoft.com/office/drawing/2014/main" xmlns="" id="{F704A0A9-FA16-4CD7-AB3F-0CDD674A7B13}"/>
               </a:ext>
             </a:extLst>
           </p:cNvPr>
@@ -9245,7 +9249,7 @@
           <p:cNvPr id="4" name="Flèche : courbe vers la gauche 3">
             <a:extLst>
               <a:ext uri="{FF2B5EF4-FFF2-40B4-BE49-F238E27FC236}">
-                <a16:creationId xmlns="" xmlns:a16="http://schemas.microsoft.com/office/drawing/2014/main" id="{DBF94E89-C63F-4C3E-B67F-EABECE887043}"/>
+                <a16:creationId xmlns:a16="http://schemas.microsoft.com/office/drawing/2014/main" xmlns="" id="{DBF94E89-C63F-4C3E-B67F-EABECE887043}"/>
               </a:ext>
             </a:extLst>
           </p:cNvPr>
@@ -9325,7 +9329,7 @@
           <p:cNvPr id="2" name="Titre 1">
             <a:extLst>
               <a:ext uri="{FF2B5EF4-FFF2-40B4-BE49-F238E27FC236}">
-                <a16:creationId xmlns="" xmlns:a16="http://schemas.microsoft.com/office/drawing/2014/main" id="{2DC0D81E-B9B4-4ED0-AC6A-2528F6729AAD}"/>
+                <a16:creationId xmlns:a16="http://schemas.microsoft.com/office/drawing/2014/main" xmlns="" id="{2DC0D81E-B9B4-4ED0-AC6A-2528F6729AAD}"/>
               </a:ext>
             </a:extLst>
           </p:cNvPr>
@@ -9360,7 +9364,7 @@
           <p:cNvPr id="3" name="Espace réservé du contenu 2">
             <a:extLst>
               <a:ext uri="{FF2B5EF4-FFF2-40B4-BE49-F238E27FC236}">
-                <a16:creationId xmlns="" xmlns:a16="http://schemas.microsoft.com/office/drawing/2014/main" id="{CAA9697C-04C5-4640-8B47-3BC10142B807}"/>
+                <a16:creationId xmlns:a16="http://schemas.microsoft.com/office/drawing/2014/main" xmlns="" id="{CAA9697C-04C5-4640-8B47-3BC10142B807}"/>
               </a:ext>
             </a:extLst>
           </p:cNvPr>
@@ -9494,7 +9498,7 @@
           <p:cNvPr id="2" name="Titre 1">
             <a:extLst>
               <a:ext uri="{FF2B5EF4-FFF2-40B4-BE49-F238E27FC236}">
-                <a16:creationId xmlns="" xmlns:a16="http://schemas.microsoft.com/office/drawing/2014/main" id="{512CC707-4647-4CB8-B911-6A90FB4AD937}"/>
+                <a16:creationId xmlns:a16="http://schemas.microsoft.com/office/drawing/2014/main" xmlns="" id="{512CC707-4647-4CB8-B911-6A90FB4AD937}"/>
               </a:ext>
             </a:extLst>
           </p:cNvPr>
@@ -9542,7 +9546,7 @@
           <p:cNvPr id="3" name="Espace réservé du contenu 2">
             <a:extLst>
               <a:ext uri="{FF2B5EF4-FFF2-40B4-BE49-F238E27FC236}">
-                <a16:creationId xmlns="" xmlns:a16="http://schemas.microsoft.com/office/drawing/2014/main" id="{E72F21AE-8E73-48D1-987B-6190E8382598}"/>
+                <a16:creationId xmlns:a16="http://schemas.microsoft.com/office/drawing/2014/main" xmlns="" id="{E72F21AE-8E73-48D1-987B-6190E8382598}"/>
               </a:ext>
             </a:extLst>
           </p:cNvPr>
@@ -9642,7 +9646,7 @@
           <p:cNvPr id="2" name="Titre 1">
             <a:extLst>
               <a:ext uri="{FF2B5EF4-FFF2-40B4-BE49-F238E27FC236}">
-                <a16:creationId xmlns="" xmlns:a16="http://schemas.microsoft.com/office/drawing/2014/main" id="{E0C1F39D-04FA-4E81-832A-565C78E64EE0}"/>
+                <a16:creationId xmlns:a16="http://schemas.microsoft.com/office/drawing/2014/main" xmlns="" id="{E0C1F39D-04FA-4E81-832A-565C78E64EE0}"/>
               </a:ext>
             </a:extLst>
           </p:cNvPr>
@@ -9736,7 +9740,7 @@
           <p:cNvPr id="2" name="Titre 1">
             <a:extLst>
               <a:ext uri="{FF2B5EF4-FFF2-40B4-BE49-F238E27FC236}">
-                <a16:creationId xmlns="" xmlns:a16="http://schemas.microsoft.com/office/drawing/2014/main" id="{44BBB705-BF6F-4FF4-A44C-8A030495D815}"/>
+                <a16:creationId xmlns:a16="http://schemas.microsoft.com/office/drawing/2014/main" xmlns="" id="{44BBB705-BF6F-4FF4-A44C-8A030495D815}"/>
               </a:ext>
             </a:extLst>
           </p:cNvPr>
@@ -9771,7 +9775,7 @@
           <p:cNvPr id="3" name="Espace réservé du contenu 2">
             <a:extLst>
               <a:ext uri="{FF2B5EF4-FFF2-40B4-BE49-F238E27FC236}">
-                <a16:creationId xmlns="" xmlns:a16="http://schemas.microsoft.com/office/drawing/2014/main" id="{59F03384-E0AA-4525-AC34-2764C6ECFEDA}"/>
+                <a16:creationId xmlns:a16="http://schemas.microsoft.com/office/drawing/2014/main" xmlns="" id="{59F03384-E0AA-4525-AC34-2764C6ECFEDA}"/>
               </a:ext>
             </a:extLst>
           </p:cNvPr>
@@ -9915,7 +9919,7 @@
           <p:cNvPr id="2" name="Titre 1">
             <a:extLst>
               <a:ext uri="{FF2B5EF4-FFF2-40B4-BE49-F238E27FC236}">
-                <a16:creationId xmlns="" xmlns:a16="http://schemas.microsoft.com/office/drawing/2014/main" id="{22DD26D8-472D-4FA3-8110-E67932AC91FD}"/>
+                <a16:creationId xmlns:a16="http://schemas.microsoft.com/office/drawing/2014/main" xmlns="" id="{22DD26D8-472D-4FA3-8110-E67932AC91FD}"/>
               </a:ext>
             </a:extLst>
           </p:cNvPr>
@@ -9963,7 +9967,7 @@
           <p:cNvPr id="3" name="Espace réservé du contenu 2">
             <a:extLst>
               <a:ext uri="{FF2B5EF4-FFF2-40B4-BE49-F238E27FC236}">
-                <a16:creationId xmlns="" xmlns:a16="http://schemas.microsoft.com/office/drawing/2014/main" id="{B66E4383-1A2E-40DC-A2C2-EA8D245C8A1B}"/>
+                <a16:creationId xmlns:a16="http://schemas.microsoft.com/office/drawing/2014/main" xmlns="" id="{B66E4383-1A2E-40DC-A2C2-EA8D245C8A1B}"/>
               </a:ext>
             </a:extLst>
           </p:cNvPr>
